--- a/template/template-app.pptx
+++ b/template/template-app.pptx
@@ -244,7 +244,7 @@
           <a:p>
             <a:fld id="{FBAC604A-49F2-484B-AFF9-87305F097971}" type="datetimeFigureOut">
               <a:rPr lang="fr-FR" smtClean="0"/>
-              <a:t>14/10/2019</a:t>
+              <a:t>15/10/2019</a:t>
             </a:fld>
             <a:endParaRPr lang="fr-FR"/>
           </a:p>
@@ -414,7 +414,7 @@
           <a:p>
             <a:fld id="{FBAC604A-49F2-484B-AFF9-87305F097971}" type="datetimeFigureOut">
               <a:rPr lang="fr-FR" smtClean="0"/>
-              <a:t>14/10/2019</a:t>
+              <a:t>15/10/2019</a:t>
             </a:fld>
             <a:endParaRPr lang="fr-FR"/>
           </a:p>
@@ -594,7 +594,7 @@
           <a:p>
             <a:fld id="{FBAC604A-49F2-484B-AFF9-87305F097971}" type="datetimeFigureOut">
               <a:rPr lang="fr-FR" smtClean="0"/>
-              <a:t>14/10/2019</a:t>
+              <a:t>15/10/2019</a:t>
             </a:fld>
             <a:endParaRPr lang="fr-FR"/>
           </a:p>
@@ -764,7 +764,7 @@
           <a:p>
             <a:fld id="{FBAC604A-49F2-484B-AFF9-87305F097971}" type="datetimeFigureOut">
               <a:rPr lang="fr-FR" smtClean="0"/>
-              <a:t>14/10/2019</a:t>
+              <a:t>15/10/2019</a:t>
             </a:fld>
             <a:endParaRPr lang="fr-FR"/>
           </a:p>
@@ -1008,7 +1008,7 @@
           <a:p>
             <a:fld id="{FBAC604A-49F2-484B-AFF9-87305F097971}" type="datetimeFigureOut">
               <a:rPr lang="fr-FR" smtClean="0"/>
-              <a:t>14/10/2019</a:t>
+              <a:t>15/10/2019</a:t>
             </a:fld>
             <a:endParaRPr lang="fr-FR"/>
           </a:p>
@@ -1240,7 +1240,7 @@
           <a:p>
             <a:fld id="{FBAC604A-49F2-484B-AFF9-87305F097971}" type="datetimeFigureOut">
               <a:rPr lang="fr-FR" smtClean="0"/>
-              <a:t>14/10/2019</a:t>
+              <a:t>15/10/2019</a:t>
             </a:fld>
             <a:endParaRPr lang="fr-FR"/>
           </a:p>
@@ -1607,7 +1607,7 @@
           <a:p>
             <a:fld id="{FBAC604A-49F2-484B-AFF9-87305F097971}" type="datetimeFigureOut">
               <a:rPr lang="fr-FR" smtClean="0"/>
-              <a:t>14/10/2019</a:t>
+              <a:t>15/10/2019</a:t>
             </a:fld>
             <a:endParaRPr lang="fr-FR"/>
           </a:p>
@@ -1725,7 +1725,7 @@
           <a:p>
             <a:fld id="{FBAC604A-49F2-484B-AFF9-87305F097971}" type="datetimeFigureOut">
               <a:rPr lang="fr-FR" smtClean="0"/>
-              <a:t>14/10/2019</a:t>
+              <a:t>15/10/2019</a:t>
             </a:fld>
             <a:endParaRPr lang="fr-FR"/>
           </a:p>
@@ -1820,7 +1820,7 @@
           <a:p>
             <a:fld id="{FBAC604A-49F2-484B-AFF9-87305F097971}" type="datetimeFigureOut">
               <a:rPr lang="fr-FR" smtClean="0"/>
-              <a:t>14/10/2019</a:t>
+              <a:t>15/10/2019</a:t>
             </a:fld>
             <a:endParaRPr lang="fr-FR"/>
           </a:p>
@@ -2097,7 +2097,7 @@
           <a:p>
             <a:fld id="{FBAC604A-49F2-484B-AFF9-87305F097971}" type="datetimeFigureOut">
               <a:rPr lang="fr-FR" smtClean="0"/>
-              <a:t>14/10/2019</a:t>
+              <a:t>15/10/2019</a:t>
             </a:fld>
             <a:endParaRPr lang="fr-FR"/>
           </a:p>
@@ -2354,7 +2354,7 @@
           <a:p>
             <a:fld id="{FBAC604A-49F2-484B-AFF9-87305F097971}" type="datetimeFigureOut">
               <a:rPr lang="fr-FR" smtClean="0"/>
-              <a:t>14/10/2019</a:t>
+              <a:t>15/10/2019</a:t>
             </a:fld>
             <a:endParaRPr lang="fr-FR"/>
           </a:p>
@@ -2567,7 +2567,7 @@
           <a:p>
             <a:fld id="{FBAC604A-49F2-484B-AFF9-87305F097971}" type="datetimeFigureOut">
               <a:rPr lang="fr-FR" smtClean="0"/>
-              <a:t>14/10/2019</a:t>
+              <a:t>15/10/2019</a:t>
             </a:fld>
             <a:endParaRPr lang="fr-FR"/>
           </a:p>
@@ -3687,6 +3687,42 @@
           </a:prstGeom>
         </p:spPr>
       </p:pic>
+      <p:pic>
+        <p:nvPicPr>
+          <p:cNvPr id="22" name="Image 21" descr="Une image contenant moniteur, écran, assis, noir&#10;&#10;Description générée automatiquement">
+            <a:extLst>
+              <a:ext uri="{FF2B5EF4-FFF2-40B4-BE49-F238E27FC236}">
+                <a16:creationId xmlns:a16="http://schemas.microsoft.com/office/drawing/2014/main" id="{4C268D05-C949-44FF-842E-32A2E94640AC}"/>
+              </a:ext>
+            </a:extLst>
+          </p:cNvPr>
+          <p:cNvPicPr>
+            <a:picLocks noChangeAspect="1"/>
+          </p:cNvPicPr>
+          <p:nvPr/>
+        </p:nvPicPr>
+        <p:blipFill>
+          <a:blip r:embed="rId8">
+            <a:extLst>
+              <a:ext uri="{28A0092B-C50C-407E-A947-70E740481C1C}">
+                <a14:useLocalDpi xmlns:a14="http://schemas.microsoft.com/office/drawing/2010/main" val="0"/>
+              </a:ext>
+            </a:extLst>
+          </a:blip>
+          <a:stretch>
+            <a:fillRect/>
+          </a:stretch>
+        </p:blipFill>
+        <p:spPr>
+          <a:xfrm>
+            <a:off x="-3135086" y="-1371600"/>
+            <a:ext cx="12997543" cy="15160172"/>
+          </a:xfrm>
+          <a:prstGeom prst="rect">
+            <a:avLst/>
+          </a:prstGeom>
+        </p:spPr>
+      </p:pic>
     </p:spTree>
     <p:extLst>
       <p:ext uri="{BB962C8B-B14F-4D97-AF65-F5344CB8AC3E}">
@@ -5665,6 +5701,42 @@
           <a:xfrm>
             <a:off x="998660" y="1795969"/>
             <a:ext cx="914400" cy="914400"/>
+          </a:xfrm>
+          <a:prstGeom prst="rect">
+            <a:avLst/>
+          </a:prstGeom>
+        </p:spPr>
+      </p:pic>
+      <p:pic>
+        <p:nvPicPr>
+          <p:cNvPr id="45" name="Image 44" descr="Une image contenant moniteur, écran, assis, noir&#10;&#10;Description générée automatiquement">
+            <a:extLst>
+              <a:ext uri="{FF2B5EF4-FFF2-40B4-BE49-F238E27FC236}">
+                <a16:creationId xmlns:a16="http://schemas.microsoft.com/office/drawing/2014/main" id="{A81E5576-4D85-42A9-8626-58ECDF6C7083}"/>
+              </a:ext>
+            </a:extLst>
+          </p:cNvPr>
+          <p:cNvPicPr>
+            <a:picLocks noChangeAspect="1"/>
+          </p:cNvPicPr>
+          <p:nvPr/>
+        </p:nvPicPr>
+        <p:blipFill>
+          <a:blip r:embed="rId26">
+            <a:extLst>
+              <a:ext uri="{28A0092B-C50C-407E-A947-70E740481C1C}">
+                <a14:useLocalDpi xmlns:a14="http://schemas.microsoft.com/office/drawing/2010/main" val="0"/>
+              </a:ext>
+            </a:extLst>
+          </a:blip>
+          <a:stretch>
+            <a:fillRect/>
+          </a:stretch>
+        </p:blipFill>
+        <p:spPr>
+          <a:xfrm>
+            <a:off x="-3135086" y="-1371600"/>
+            <a:ext cx="12997543" cy="15160172"/>
           </a:xfrm>
           <a:prstGeom prst="rect">
             <a:avLst/>

--- a/template/template-app.pptx
+++ b/template/template-app.pptx
@@ -3689,10 +3689,10 @@
       </p:pic>
       <p:pic>
         <p:nvPicPr>
-          <p:cNvPr id="22" name="Image 21" descr="Une image contenant moniteur, écran, assis, noir&#10;&#10;Description générée automatiquement">
+          <p:cNvPr id="19" name="Image 18" descr="Une image contenant moniteur, écran, assis, noir&#10;&#10;Description générée automatiquement">
             <a:extLst>
               <a:ext uri="{FF2B5EF4-FFF2-40B4-BE49-F238E27FC236}">
-                <a16:creationId xmlns:a16="http://schemas.microsoft.com/office/drawing/2014/main" id="{4C268D05-C949-44FF-842E-32A2E94640AC}"/>
+                <a16:creationId xmlns:a16="http://schemas.microsoft.com/office/drawing/2014/main" id="{D4D6E3FD-2356-4592-9E54-7C777A27F05B}"/>
               </a:ext>
             </a:extLst>
           </p:cNvPr>
@@ -3715,8 +3715,8 @@
         </p:blipFill>
         <p:spPr>
           <a:xfrm>
-            <a:off x="-3135086" y="-1371600"/>
-            <a:ext cx="12997543" cy="15160172"/>
+            <a:off x="-3081130" y="-1351722"/>
+            <a:ext cx="12943587" cy="15047843"/>
           </a:xfrm>
           <a:prstGeom prst="rect">
             <a:avLst/>
@@ -3783,7 +3783,7 @@
         </p:nvSpPr>
         <p:spPr>
           <a:xfrm>
-            <a:off x="0" y="0"/>
+            <a:off x="0" y="11277600"/>
             <a:ext cx="6858001" cy="914400"/>
           </a:xfrm>
           <a:prstGeom prst="rect">
@@ -3838,7 +3838,7 @@
         </p:nvSpPr>
         <p:spPr>
           <a:xfrm>
-            <a:off x="6120532" y="225084"/>
+            <a:off x="6120532" y="11502684"/>
             <a:ext cx="506436" cy="464232"/>
           </a:xfrm>
           <a:prstGeom prst="ellipse">
@@ -3915,7 +3915,7 @@
         </p:blipFill>
         <p:spPr>
           <a:xfrm>
-            <a:off x="6233011" y="313740"/>
+            <a:off x="6233011" y="11591340"/>
             <a:ext cx="305970" cy="305970"/>
           </a:xfrm>
           <a:prstGeom prst="rect">
@@ -3954,7 +3954,7 @@
         </p:blipFill>
         <p:spPr>
           <a:xfrm>
-            <a:off x="2971800" y="41617"/>
+            <a:off x="2971800" y="11319217"/>
             <a:ext cx="914400" cy="914400"/>
           </a:xfrm>
           <a:prstGeom prst="rect">
@@ -3976,7 +3976,7 @@
         </p:nvSpPr>
         <p:spPr>
           <a:xfrm>
-            <a:off x="319019" y="279741"/>
+            <a:off x="319019" y="11557341"/>
             <a:ext cx="506437" cy="70338"/>
           </a:xfrm>
           <a:prstGeom prst="roundRect">
@@ -4031,7 +4031,7 @@
         </p:nvSpPr>
         <p:spPr>
           <a:xfrm>
-            <a:off x="319018" y="432141"/>
+            <a:off x="319018" y="11709741"/>
             <a:ext cx="506437" cy="70338"/>
           </a:xfrm>
           <a:prstGeom prst="roundRect">
@@ -4086,7 +4086,7 @@
         </p:nvSpPr>
         <p:spPr>
           <a:xfrm>
-            <a:off x="319019" y="584541"/>
+            <a:off x="319019" y="11862141"/>
             <a:ext cx="506437" cy="70338"/>
           </a:xfrm>
           <a:prstGeom prst="roundRect">
@@ -4127,45 +4127,6 @@
           </a:p>
         </p:txBody>
       </p:sp>
-      <p:pic>
-        <p:nvPicPr>
-          <p:cNvPr id="32" name="Graphique 31" descr="Homme">
-            <a:extLst>
-              <a:ext uri="{FF2B5EF4-FFF2-40B4-BE49-F238E27FC236}">
-                <a16:creationId xmlns:a16="http://schemas.microsoft.com/office/drawing/2014/main" id="{16016FD8-FAD0-4FF1-8161-90F2D609EDD5}"/>
-              </a:ext>
-            </a:extLst>
-          </p:cNvPr>
-          <p:cNvPicPr>
-            <a:picLocks noChangeAspect="1"/>
-          </p:cNvPicPr>
-          <p:nvPr/>
-        </p:nvPicPr>
-        <p:blipFill>
-          <a:blip r:embed="rId6">
-            <a:extLst>
-              <a:ext uri="{28A0092B-C50C-407E-A947-70E740481C1C}">
-                <a14:useLocalDpi xmlns:a14="http://schemas.microsoft.com/office/drawing/2010/main" val="0"/>
-              </a:ext>
-              <a:ext uri="{96DAC541-7B7A-43D3-8B79-37D633B846F1}">
-                <asvg:svgBlip xmlns:asvg="http://schemas.microsoft.com/office/drawing/2016/SVG/main" r:embed="rId7"/>
-              </a:ext>
-            </a:extLst>
-          </a:blip>
-          <a:stretch>
-            <a:fillRect/>
-          </a:stretch>
-        </p:blipFill>
-        <p:spPr>
-          <a:xfrm>
-            <a:off x="2111689" y="2422586"/>
-            <a:ext cx="5334856" cy="6103231"/>
-          </a:xfrm>
-          <a:prstGeom prst="rect">
-            <a:avLst/>
-          </a:prstGeom>
-        </p:spPr>
-      </p:pic>
       <p:sp>
         <p:nvSpPr>
           <p:cNvPr id="33" name="Rectangle 32">
@@ -4180,8 +4141,8 @@
         </p:nvSpPr>
         <p:spPr>
           <a:xfrm>
-            <a:off x="882605" y="1762266"/>
-            <a:ext cx="1117645" cy="1076183"/>
+            <a:off x="319018" y="2067066"/>
+            <a:ext cx="1980000" cy="1980000"/>
           </a:xfrm>
           <a:prstGeom prst="rect">
             <a:avLst/>
@@ -4223,10 +4184,10 @@
       </p:sp>
       <p:sp>
         <p:nvSpPr>
-          <p:cNvPr id="35" name="Rectangle 34">
+          <p:cNvPr id="48" name="Ellipse 47">
             <a:extLst>
               <a:ext uri="{FF2B5EF4-FFF2-40B4-BE49-F238E27FC236}">
-                <a16:creationId xmlns:a16="http://schemas.microsoft.com/office/drawing/2014/main" id="{85033740-5E64-4ED6-87D3-B9ED23CBADEF}"/>
+                <a16:creationId xmlns:a16="http://schemas.microsoft.com/office/drawing/2014/main" id="{03FF9613-8D2C-4B28-897D-B685A83BA575}"/>
               </a:ext>
             </a:extLst>
           </p:cNvPr>
@@ -4235,282 +4196,7 @@
         </p:nvSpPr>
         <p:spPr>
           <a:xfrm>
-            <a:off x="882605" y="3057666"/>
-            <a:ext cx="1117645" cy="1076183"/>
-          </a:xfrm>
-          <a:prstGeom prst="rect">
-            <a:avLst/>
-          </a:prstGeom>
-          <a:noFill/>
-          <a:ln>
-            <a:solidFill>
-              <a:schemeClr val="accent5">
-                <a:lumMod val="40000"/>
-                <a:lumOff val="60000"/>
-              </a:schemeClr>
-            </a:solidFill>
-          </a:ln>
-        </p:spPr>
-        <p:style>
-          <a:lnRef idx="2">
-            <a:schemeClr val="accent1">
-              <a:shade val="50000"/>
-            </a:schemeClr>
-          </a:lnRef>
-          <a:fillRef idx="1">
-            <a:schemeClr val="accent1"/>
-          </a:fillRef>
-          <a:effectRef idx="0">
-            <a:schemeClr val="accent1"/>
-          </a:effectRef>
-          <a:fontRef idx="minor">
-            <a:schemeClr val="lt1"/>
-          </a:fontRef>
-        </p:style>
-        <p:txBody>
-          <a:bodyPr rtlCol="0" anchor="ctr"/>
-          <a:lstStyle/>
-          <a:p>
-            <a:pPr algn="ctr"/>
-            <a:endParaRPr lang="fr-FR"/>
-          </a:p>
-        </p:txBody>
-      </p:sp>
-      <p:sp>
-        <p:nvSpPr>
-          <p:cNvPr id="39" name="Rectangle 38">
-            <a:extLst>
-              <a:ext uri="{FF2B5EF4-FFF2-40B4-BE49-F238E27FC236}">
-                <a16:creationId xmlns:a16="http://schemas.microsoft.com/office/drawing/2014/main" id="{36667399-BA4D-493D-8BC5-239FFD76FB7B}"/>
-              </a:ext>
-            </a:extLst>
-          </p:cNvPr>
-          <p:cNvSpPr/>
-          <p:nvPr/>
-        </p:nvSpPr>
-        <p:spPr>
-          <a:xfrm>
-            <a:off x="882604" y="4353066"/>
-            <a:ext cx="1117645" cy="1076183"/>
-          </a:xfrm>
-          <a:prstGeom prst="rect">
-            <a:avLst/>
-          </a:prstGeom>
-          <a:noFill/>
-          <a:ln>
-            <a:solidFill>
-              <a:schemeClr val="accent5">
-                <a:lumMod val="40000"/>
-                <a:lumOff val="60000"/>
-              </a:schemeClr>
-            </a:solidFill>
-          </a:ln>
-        </p:spPr>
-        <p:style>
-          <a:lnRef idx="2">
-            <a:schemeClr val="accent1">
-              <a:shade val="50000"/>
-            </a:schemeClr>
-          </a:lnRef>
-          <a:fillRef idx="1">
-            <a:schemeClr val="accent1"/>
-          </a:fillRef>
-          <a:effectRef idx="0">
-            <a:schemeClr val="accent1"/>
-          </a:effectRef>
-          <a:fontRef idx="minor">
-            <a:schemeClr val="lt1"/>
-          </a:fontRef>
-        </p:style>
-        <p:txBody>
-          <a:bodyPr rtlCol="0" anchor="ctr"/>
-          <a:lstStyle/>
-          <a:p>
-            <a:pPr algn="ctr"/>
-            <a:endParaRPr lang="fr-FR"/>
-          </a:p>
-        </p:txBody>
-      </p:sp>
-      <p:sp>
-        <p:nvSpPr>
-          <p:cNvPr id="40" name="Rectangle 39">
-            <a:extLst>
-              <a:ext uri="{FF2B5EF4-FFF2-40B4-BE49-F238E27FC236}">
-                <a16:creationId xmlns:a16="http://schemas.microsoft.com/office/drawing/2014/main" id="{8258311D-69F8-440C-9734-F72EE751BEE5}"/>
-              </a:ext>
-            </a:extLst>
-          </p:cNvPr>
-          <p:cNvSpPr/>
-          <p:nvPr/>
-        </p:nvSpPr>
-        <p:spPr>
-          <a:xfrm>
-            <a:off x="882605" y="5648466"/>
-            <a:ext cx="1117645" cy="1076183"/>
-          </a:xfrm>
-          <a:prstGeom prst="rect">
-            <a:avLst/>
-          </a:prstGeom>
-          <a:noFill/>
-          <a:ln>
-            <a:solidFill>
-              <a:schemeClr val="accent5">
-                <a:lumMod val="40000"/>
-                <a:lumOff val="60000"/>
-              </a:schemeClr>
-            </a:solidFill>
-          </a:ln>
-        </p:spPr>
-        <p:style>
-          <a:lnRef idx="2">
-            <a:schemeClr val="accent1">
-              <a:shade val="50000"/>
-            </a:schemeClr>
-          </a:lnRef>
-          <a:fillRef idx="1">
-            <a:schemeClr val="accent1"/>
-          </a:fillRef>
-          <a:effectRef idx="0">
-            <a:schemeClr val="accent1"/>
-          </a:effectRef>
-          <a:fontRef idx="minor">
-            <a:schemeClr val="lt1"/>
-          </a:fontRef>
-        </p:style>
-        <p:txBody>
-          <a:bodyPr rtlCol="0" anchor="ctr"/>
-          <a:lstStyle/>
-          <a:p>
-            <a:pPr algn="ctr"/>
-            <a:endParaRPr lang="fr-FR"/>
-          </a:p>
-        </p:txBody>
-      </p:sp>
-      <p:sp>
-        <p:nvSpPr>
-          <p:cNvPr id="41" name="Rectangle 40">
-            <a:extLst>
-              <a:ext uri="{FF2B5EF4-FFF2-40B4-BE49-F238E27FC236}">
-                <a16:creationId xmlns:a16="http://schemas.microsoft.com/office/drawing/2014/main" id="{190285DA-EDFA-42FA-839B-E23A660E7C8F}"/>
-              </a:ext>
-            </a:extLst>
-          </p:cNvPr>
-          <p:cNvSpPr/>
-          <p:nvPr/>
-        </p:nvSpPr>
-        <p:spPr>
-          <a:xfrm>
-            <a:off x="882604" y="6943866"/>
-            <a:ext cx="1117645" cy="1076183"/>
-          </a:xfrm>
-          <a:prstGeom prst="rect">
-            <a:avLst/>
-          </a:prstGeom>
-          <a:noFill/>
-          <a:ln>
-            <a:solidFill>
-              <a:schemeClr val="accent5">
-                <a:lumMod val="40000"/>
-                <a:lumOff val="60000"/>
-              </a:schemeClr>
-            </a:solidFill>
-          </a:ln>
-        </p:spPr>
-        <p:style>
-          <a:lnRef idx="2">
-            <a:schemeClr val="accent1">
-              <a:shade val="50000"/>
-            </a:schemeClr>
-          </a:lnRef>
-          <a:fillRef idx="1">
-            <a:schemeClr val="accent1"/>
-          </a:fillRef>
-          <a:effectRef idx="0">
-            <a:schemeClr val="accent1"/>
-          </a:effectRef>
-          <a:fontRef idx="minor">
-            <a:schemeClr val="lt1"/>
-          </a:fontRef>
-        </p:style>
-        <p:txBody>
-          <a:bodyPr rtlCol="0" anchor="ctr"/>
-          <a:lstStyle/>
-          <a:p>
-            <a:pPr algn="ctr"/>
-            <a:endParaRPr lang="fr-FR"/>
-          </a:p>
-        </p:txBody>
-      </p:sp>
-      <p:sp>
-        <p:nvSpPr>
-          <p:cNvPr id="42" name="Rectangle 41">
-            <a:extLst>
-              <a:ext uri="{FF2B5EF4-FFF2-40B4-BE49-F238E27FC236}">
-                <a16:creationId xmlns:a16="http://schemas.microsoft.com/office/drawing/2014/main" id="{6F843344-94B9-4DC9-81AF-090642177DCA}"/>
-              </a:ext>
-            </a:extLst>
-          </p:cNvPr>
-          <p:cNvSpPr/>
-          <p:nvPr/>
-        </p:nvSpPr>
-        <p:spPr>
-          <a:xfrm>
-            <a:off x="882604" y="8239266"/>
-            <a:ext cx="1117645" cy="1076183"/>
-          </a:xfrm>
-          <a:prstGeom prst="rect">
-            <a:avLst/>
-          </a:prstGeom>
-          <a:noFill/>
-          <a:ln>
-            <a:solidFill>
-              <a:schemeClr val="accent5">
-                <a:lumMod val="40000"/>
-                <a:lumOff val="60000"/>
-              </a:schemeClr>
-            </a:solidFill>
-          </a:ln>
-        </p:spPr>
-        <p:style>
-          <a:lnRef idx="2">
-            <a:schemeClr val="accent1">
-              <a:shade val="50000"/>
-            </a:schemeClr>
-          </a:lnRef>
-          <a:fillRef idx="1">
-            <a:schemeClr val="accent1"/>
-          </a:fillRef>
-          <a:effectRef idx="0">
-            <a:schemeClr val="accent1"/>
-          </a:effectRef>
-          <a:fontRef idx="minor">
-            <a:schemeClr val="lt1"/>
-          </a:fontRef>
-        </p:style>
-        <p:txBody>
-          <a:bodyPr rtlCol="0" anchor="ctr"/>
-          <a:lstStyle/>
-          <a:p>
-            <a:pPr algn="ctr"/>
-            <a:endParaRPr lang="fr-FR"/>
-          </a:p>
-        </p:txBody>
-      </p:sp>
-      <p:sp>
-        <p:nvSpPr>
-          <p:cNvPr id="48" name="Ellipse 47">
-            <a:extLst>
-              <a:ext uri="{FF2B5EF4-FFF2-40B4-BE49-F238E27FC236}">
-                <a16:creationId xmlns:a16="http://schemas.microsoft.com/office/drawing/2014/main" id="{03FF9613-8D2C-4B28-897D-B685A83BA575}"/>
-              </a:ext>
-            </a:extLst>
-          </p:cNvPr>
-          <p:cNvSpPr/>
-          <p:nvPr/>
-        </p:nvSpPr>
-        <p:spPr>
-          <a:xfrm>
-            <a:off x="1097500" y="9534666"/>
+            <a:off x="3085074" y="10235910"/>
             <a:ext cx="704851" cy="667774"/>
           </a:xfrm>
           <a:prstGeom prst="ellipse">
@@ -4571,13 +4257,13 @@
           <p:nvPr/>
         </p:nvPicPr>
         <p:blipFill>
-          <a:blip r:embed="rId8">
+          <a:blip r:embed="rId6">
             <a:extLst>
               <a:ext uri="{28A0092B-C50C-407E-A947-70E740481C1C}">
                 <a14:useLocalDpi xmlns:a14="http://schemas.microsoft.com/office/drawing/2010/main" val="0"/>
               </a:ext>
               <a:ext uri="{96DAC541-7B7A-43D3-8B79-37D633B846F1}">
-                <asvg:svgBlip xmlns:asvg="http://schemas.microsoft.com/office/drawing/2016/SVG/main" r:embed="rId9"/>
+                <asvg:svgBlip xmlns:asvg="http://schemas.microsoft.com/office/drawing/2016/SVG/main" r:embed="rId7"/>
               </a:ext>
             </a:extLst>
           </a:blip>
@@ -4587,7 +4273,7 @@
         </p:blipFill>
         <p:spPr>
           <a:xfrm>
-            <a:off x="1194800" y="9610866"/>
+            <a:off x="3182374" y="10312110"/>
             <a:ext cx="493251" cy="493251"/>
           </a:xfrm>
           <a:prstGeom prst="rect">
@@ -4609,7 +4295,7 @@
         </p:nvSpPr>
         <p:spPr>
           <a:xfrm>
-            <a:off x="-1" y="10429734"/>
+            <a:off x="0" y="0"/>
             <a:ext cx="6858001" cy="1787325"/>
           </a:xfrm>
           <a:prstGeom prst="rect">
@@ -4665,13 +4351,13 @@
           <p:nvPr/>
         </p:nvPicPr>
         <p:blipFill>
-          <a:blip r:embed="rId10">
+          <a:blip r:embed="rId8">
             <a:extLst>
               <a:ext uri="{28A0092B-C50C-407E-A947-70E740481C1C}">
                 <a14:useLocalDpi xmlns:a14="http://schemas.microsoft.com/office/drawing/2010/main" val="0"/>
               </a:ext>
               <a:ext uri="{96DAC541-7B7A-43D3-8B79-37D633B846F1}">
-                <asvg:svgBlip xmlns:asvg="http://schemas.microsoft.com/office/drawing/2016/SVG/main" r:embed="rId11"/>
+                <asvg:svgBlip xmlns:asvg="http://schemas.microsoft.com/office/drawing/2016/SVG/main" r:embed="rId9"/>
               </a:ext>
             </a:extLst>
           </a:blip>
@@ -4681,7 +4367,7 @@
         </p:blipFill>
         <p:spPr>
           <a:xfrm>
-            <a:off x="319018" y="10866196"/>
+            <a:off x="319018" y="639592"/>
             <a:ext cx="914400" cy="914400"/>
           </a:xfrm>
           <a:prstGeom prst="rect">
@@ -4703,7 +4389,7 @@
         </p:nvSpPr>
         <p:spPr>
           <a:xfrm>
-            <a:off x="1449925" y="10681530"/>
+            <a:off x="1449925" y="677982"/>
             <a:ext cx="5089056" cy="923330"/>
           </a:xfrm>
           <a:prstGeom prst="rect">
@@ -4746,13 +4432,13 @@
           <p:nvPr/>
         </p:nvPicPr>
         <p:blipFill>
-          <a:blip r:embed="rId12">
+          <a:blip r:embed="rId10">
             <a:extLst>
               <a:ext uri="{28A0092B-C50C-407E-A947-70E740481C1C}">
                 <a14:useLocalDpi xmlns:a14="http://schemas.microsoft.com/office/drawing/2010/main" val="0"/>
               </a:ext>
               <a:ext uri="{96DAC541-7B7A-43D3-8B79-37D633B846F1}">
-                <asvg:svgBlip xmlns:asvg="http://schemas.microsoft.com/office/drawing/2016/SVG/main" r:embed="rId13"/>
+                <asvg:svgBlip xmlns:asvg="http://schemas.microsoft.com/office/drawing/2016/SVG/main" r:embed="rId11"/>
               </a:ext>
             </a:extLst>
           </a:blip>
@@ -4762,7 +4448,7 @@
         </p:blipFill>
         <p:spPr>
           <a:xfrm>
-            <a:off x="6236306" y="1047119"/>
+            <a:off x="4052887" y="111533"/>
             <a:ext cx="457200" cy="457200"/>
           </a:xfrm>
           <a:prstGeom prst="rect">
@@ -4784,7 +4470,7 @@
         </p:nvSpPr>
         <p:spPr>
           <a:xfrm>
-            <a:off x="4779117" y="1085848"/>
+            <a:off x="2595698" y="150262"/>
             <a:ext cx="1608115" cy="369332"/>
           </a:xfrm>
           <a:prstGeom prst="rect">
@@ -4813,12 +4499,51 @@
           </a:p>
         </p:txBody>
       </p:sp>
-      <p:sp>
-        <p:nvSpPr>
-          <p:cNvPr id="56" name="Flèche : droite 55">
+      <p:pic>
+        <p:nvPicPr>
+          <p:cNvPr id="81" name="Graphique 80" descr="Casquette de baseball">
             <a:extLst>
               <a:ext uri="{FF2B5EF4-FFF2-40B4-BE49-F238E27FC236}">
-                <a16:creationId xmlns:a16="http://schemas.microsoft.com/office/drawing/2014/main" id="{13C149D9-54E1-42DA-BA1F-C9E5CD5A0C35}"/>
+                <a16:creationId xmlns:a16="http://schemas.microsoft.com/office/drawing/2014/main" id="{8D87CCD4-1FF0-4390-997D-6CAA0C9BAE09}"/>
+              </a:ext>
+            </a:extLst>
+          </p:cNvPr>
+          <p:cNvPicPr>
+            <a:picLocks noChangeAspect="1"/>
+          </p:cNvPicPr>
+          <p:nvPr/>
+        </p:nvPicPr>
+        <p:blipFill>
+          <a:blip r:embed="rId12">
+            <a:extLst>
+              <a:ext uri="{28A0092B-C50C-407E-A947-70E740481C1C}">
+                <a14:useLocalDpi xmlns:a14="http://schemas.microsoft.com/office/drawing/2010/main" val="0"/>
+              </a:ext>
+              <a:ext uri="{96DAC541-7B7A-43D3-8B79-37D633B846F1}">
+                <asvg:svgBlip xmlns:asvg="http://schemas.microsoft.com/office/drawing/2016/SVG/main" r:embed="rId13"/>
+              </a:ext>
+            </a:extLst>
+          </a:blip>
+          <a:stretch>
+            <a:fillRect/>
+          </a:stretch>
+        </p:blipFill>
+        <p:spPr>
+          <a:xfrm>
+            <a:off x="851818" y="2599866"/>
+            <a:ext cx="914400" cy="914400"/>
+          </a:xfrm>
+          <a:prstGeom prst="rect">
+            <a:avLst/>
+          </a:prstGeom>
+        </p:spPr>
+      </p:pic>
+      <p:sp>
+        <p:nvSpPr>
+          <p:cNvPr id="108" name="Rectangle 107">
+            <a:extLst>
+              <a:ext uri="{FF2B5EF4-FFF2-40B4-BE49-F238E27FC236}">
+                <a16:creationId xmlns:a16="http://schemas.microsoft.com/office/drawing/2014/main" id="{CED1B7D2-BF5D-4651-8C58-E8E0C72694B9}"/>
               </a:ext>
             </a:extLst>
           </p:cNvPr>
@@ -4827,20 +4552,20 @@
         </p:nvSpPr>
         <p:spPr>
           <a:xfrm>
-            <a:off x="2065314" y="2114549"/>
-            <a:ext cx="285750" cy="371616"/>
-          </a:xfrm>
-          <a:prstGeom prst="rightArrow">
+            <a:off x="4558984" y="3057066"/>
+            <a:ext cx="1980000" cy="1980000"/>
+          </a:xfrm>
+          <a:prstGeom prst="rect">
             <a:avLst/>
           </a:prstGeom>
-          <a:solidFill>
-            <a:schemeClr val="accent5">
-              <a:lumMod val="40000"/>
-              <a:lumOff val="60000"/>
-            </a:schemeClr>
-          </a:solidFill>
+          <a:noFill/>
           <a:ln>
-            <a:noFill/>
+            <a:solidFill>
+              <a:schemeClr val="accent5">
+                <a:lumMod val="40000"/>
+                <a:lumOff val="60000"/>
+              </a:schemeClr>
+            </a:solidFill>
           </a:ln>
         </p:spPr>
         <p:style>
@@ -4868,12 +4593,50 @@
           </a:p>
         </p:txBody>
       </p:sp>
-      <p:sp>
-        <p:nvSpPr>
-          <p:cNvPr id="57" name="Flèche : droite 56">
+      <p:pic>
+        <p:nvPicPr>
+          <p:cNvPr id="109" name="Graphique 108" descr="Chemise">
             <a:extLst>
               <a:ext uri="{FF2B5EF4-FFF2-40B4-BE49-F238E27FC236}">
-                <a16:creationId xmlns:a16="http://schemas.microsoft.com/office/drawing/2014/main" id="{362432D3-98DA-4468-9847-955821915CFA}"/>
+                <a16:creationId xmlns:a16="http://schemas.microsoft.com/office/drawing/2014/main" id="{BEB0FA8B-5428-489C-92A0-13E11B3453B3}"/>
+              </a:ext>
+            </a:extLst>
+          </p:cNvPr>
+          <p:cNvPicPr>
+            <a:picLocks noChangeAspect="1"/>
+          </p:cNvPicPr>
+          <p:nvPr/>
+        </p:nvPicPr>
+        <p:blipFill>
+          <a:blip r:embed="rId14">
+            <a:extLst>
+              <a:ext uri="{28A0092B-C50C-407E-A947-70E740481C1C}">
+                <a14:useLocalDpi xmlns:a14="http://schemas.microsoft.com/office/drawing/2010/main" val="0"/>
+              </a:ext>
+              <a:ext uri="{96DAC541-7B7A-43D3-8B79-37D633B846F1}">
+                <asvg:svgBlip xmlns:asvg="http://schemas.microsoft.com/office/drawing/2016/SVG/main" r:embed="rId15"/>
+              </a:ext>
+            </a:extLst>
+          </a:blip>
+          <a:srcRect/>
+          <a:stretch/>
+        </p:blipFill>
+        <p:spPr>
+          <a:xfrm>
+            <a:off x="5091784" y="3589866"/>
+            <a:ext cx="914400" cy="914400"/>
+          </a:xfrm>
+          <a:prstGeom prst="rect">
+            <a:avLst/>
+          </a:prstGeom>
+        </p:spPr>
+      </p:pic>
+      <p:sp>
+        <p:nvSpPr>
+          <p:cNvPr id="110" name="Rectangle 109">
+            <a:extLst>
+              <a:ext uri="{FF2B5EF4-FFF2-40B4-BE49-F238E27FC236}">
+                <a16:creationId xmlns:a16="http://schemas.microsoft.com/office/drawing/2014/main" id="{F7745053-80FE-42C0-BAF4-A83F0B84537C}"/>
               </a:ext>
             </a:extLst>
           </p:cNvPr>
@@ -4882,20 +4645,20 @@
         </p:nvSpPr>
         <p:spPr>
           <a:xfrm>
-            <a:off x="2065314" y="3409949"/>
-            <a:ext cx="285750" cy="371616"/>
-          </a:xfrm>
-          <a:prstGeom prst="rightArrow">
+            <a:off x="319017" y="4461434"/>
+            <a:ext cx="1980000" cy="1980000"/>
+          </a:xfrm>
+          <a:prstGeom prst="rect">
             <a:avLst/>
           </a:prstGeom>
-          <a:solidFill>
-            <a:schemeClr val="accent5">
-              <a:lumMod val="40000"/>
-              <a:lumOff val="60000"/>
-            </a:schemeClr>
-          </a:solidFill>
+          <a:noFill/>
           <a:ln>
-            <a:noFill/>
+            <a:solidFill>
+              <a:schemeClr val="accent5">
+                <a:lumMod val="40000"/>
+                <a:lumOff val="60000"/>
+              </a:schemeClr>
+            </a:solidFill>
           </a:ln>
         </p:spPr>
         <p:style>
@@ -4923,12 +4686,50 @@
           </a:p>
         </p:txBody>
       </p:sp>
-      <p:sp>
-        <p:nvSpPr>
-          <p:cNvPr id="58" name="Flèche : droite 57">
+      <p:pic>
+        <p:nvPicPr>
+          <p:cNvPr id="111" name="Graphique 110" descr="Costume">
             <a:extLst>
               <a:ext uri="{FF2B5EF4-FFF2-40B4-BE49-F238E27FC236}">
-                <a16:creationId xmlns:a16="http://schemas.microsoft.com/office/drawing/2014/main" id="{B42AE737-34A0-4BF2-B080-532D1DF4ED1E}"/>
+                <a16:creationId xmlns:a16="http://schemas.microsoft.com/office/drawing/2014/main" id="{103050B7-58C9-4CBD-A41B-7B15C5038A75}"/>
+              </a:ext>
+            </a:extLst>
+          </p:cNvPr>
+          <p:cNvPicPr>
+            <a:picLocks noChangeAspect="1"/>
+          </p:cNvPicPr>
+          <p:nvPr/>
+        </p:nvPicPr>
+        <p:blipFill>
+          <a:blip r:embed="rId16">
+            <a:extLst>
+              <a:ext uri="{28A0092B-C50C-407E-A947-70E740481C1C}">
+                <a14:useLocalDpi xmlns:a14="http://schemas.microsoft.com/office/drawing/2010/main" val="0"/>
+              </a:ext>
+              <a:ext uri="{96DAC541-7B7A-43D3-8B79-37D633B846F1}">
+                <asvg:svgBlip xmlns:asvg="http://schemas.microsoft.com/office/drawing/2016/SVG/main" r:embed="rId17"/>
+              </a:ext>
+            </a:extLst>
+          </a:blip>
+          <a:srcRect/>
+          <a:stretch/>
+        </p:blipFill>
+        <p:spPr>
+          <a:xfrm>
+            <a:off x="851817" y="4994234"/>
+            <a:ext cx="914400" cy="914400"/>
+          </a:xfrm>
+          <a:prstGeom prst="rect">
+            <a:avLst/>
+          </a:prstGeom>
+        </p:spPr>
+      </p:pic>
+      <p:sp>
+        <p:nvSpPr>
+          <p:cNvPr id="112" name="Rectangle 111">
+            <a:extLst>
+              <a:ext uri="{FF2B5EF4-FFF2-40B4-BE49-F238E27FC236}">
+                <a16:creationId xmlns:a16="http://schemas.microsoft.com/office/drawing/2014/main" id="{ABA2EE6F-4549-4EF4-920B-02B48E058E31}"/>
               </a:ext>
             </a:extLst>
           </p:cNvPr>
@@ -4937,20 +4738,20 @@
         </p:nvSpPr>
         <p:spPr>
           <a:xfrm>
-            <a:off x="2065313" y="4705349"/>
-            <a:ext cx="285750" cy="371616"/>
-          </a:xfrm>
-          <a:prstGeom prst="rightArrow">
+            <a:off x="4558981" y="5447478"/>
+            <a:ext cx="1980000" cy="1980000"/>
+          </a:xfrm>
+          <a:prstGeom prst="rect">
             <a:avLst/>
           </a:prstGeom>
-          <a:solidFill>
-            <a:schemeClr val="accent5">
-              <a:lumMod val="40000"/>
-              <a:lumOff val="60000"/>
-            </a:schemeClr>
-          </a:solidFill>
+          <a:noFill/>
           <a:ln>
-            <a:noFill/>
+            <a:solidFill>
+              <a:schemeClr val="accent5">
+                <a:lumMod val="40000"/>
+                <a:lumOff val="60000"/>
+              </a:schemeClr>
+            </a:solidFill>
           </a:ln>
         </p:spPr>
         <p:style>
@@ -4978,12 +4779,50 @@
           </a:p>
         </p:txBody>
       </p:sp>
-      <p:sp>
-        <p:nvSpPr>
-          <p:cNvPr id="59" name="Flèche : droite 58">
+      <p:pic>
+        <p:nvPicPr>
+          <p:cNvPr id="113" name="Graphique 112" descr="Robe">
             <a:extLst>
               <a:ext uri="{FF2B5EF4-FFF2-40B4-BE49-F238E27FC236}">
-                <a16:creationId xmlns:a16="http://schemas.microsoft.com/office/drawing/2014/main" id="{F1702352-CF37-4608-B5C9-DA9A6E1CCE65}"/>
+                <a16:creationId xmlns:a16="http://schemas.microsoft.com/office/drawing/2014/main" id="{895EE645-78AC-4563-A958-846F212A913D}"/>
+              </a:ext>
+            </a:extLst>
+          </p:cNvPr>
+          <p:cNvPicPr>
+            <a:picLocks noChangeAspect="1"/>
+          </p:cNvPicPr>
+          <p:nvPr/>
+        </p:nvPicPr>
+        <p:blipFill>
+          <a:blip r:embed="rId18">
+            <a:extLst>
+              <a:ext uri="{28A0092B-C50C-407E-A947-70E740481C1C}">
+                <a14:useLocalDpi xmlns:a14="http://schemas.microsoft.com/office/drawing/2010/main" val="0"/>
+              </a:ext>
+              <a:ext uri="{96DAC541-7B7A-43D3-8B79-37D633B846F1}">
+                <asvg:svgBlip xmlns:asvg="http://schemas.microsoft.com/office/drawing/2016/SVG/main" r:embed="rId19"/>
+              </a:ext>
+            </a:extLst>
+          </a:blip>
+          <a:srcRect/>
+          <a:stretch/>
+        </p:blipFill>
+        <p:spPr>
+          <a:xfrm>
+            <a:off x="5091781" y="5980278"/>
+            <a:ext cx="914400" cy="914400"/>
+          </a:xfrm>
+          <a:prstGeom prst="rect">
+            <a:avLst/>
+          </a:prstGeom>
+        </p:spPr>
+      </p:pic>
+      <p:sp>
+        <p:nvSpPr>
+          <p:cNvPr id="114" name="Rectangle 113">
+            <a:extLst>
+              <a:ext uri="{FF2B5EF4-FFF2-40B4-BE49-F238E27FC236}">
+                <a16:creationId xmlns:a16="http://schemas.microsoft.com/office/drawing/2014/main" id="{DC3612F3-9A36-4AA3-BF0E-97FC3A7EADBA}"/>
               </a:ext>
             </a:extLst>
           </p:cNvPr>
@@ -4992,20 +4831,20 @@
         </p:nvSpPr>
         <p:spPr>
           <a:xfrm>
-            <a:off x="2065313" y="6000749"/>
-            <a:ext cx="285750" cy="371616"/>
-          </a:xfrm>
-          <a:prstGeom prst="rightArrow">
+            <a:off x="319017" y="6851846"/>
+            <a:ext cx="1980000" cy="1980000"/>
+          </a:xfrm>
+          <a:prstGeom prst="rect">
             <a:avLst/>
           </a:prstGeom>
-          <a:solidFill>
-            <a:schemeClr val="accent5">
-              <a:lumMod val="40000"/>
-              <a:lumOff val="60000"/>
-            </a:schemeClr>
-          </a:solidFill>
+          <a:noFill/>
           <a:ln>
-            <a:noFill/>
+            <a:solidFill>
+              <a:schemeClr val="accent5">
+                <a:lumMod val="40000"/>
+                <a:lumOff val="60000"/>
+              </a:schemeClr>
+            </a:solidFill>
           </a:ln>
         </p:spPr>
         <p:style>
@@ -5033,12 +4872,50 @@
           </a:p>
         </p:txBody>
       </p:sp>
-      <p:sp>
-        <p:nvSpPr>
-          <p:cNvPr id="60" name="Flèche : droite 59">
+      <p:pic>
+        <p:nvPicPr>
+          <p:cNvPr id="115" name="Graphique 114" descr="Pantalon">
             <a:extLst>
               <a:ext uri="{FF2B5EF4-FFF2-40B4-BE49-F238E27FC236}">
-                <a16:creationId xmlns:a16="http://schemas.microsoft.com/office/drawing/2014/main" id="{B78F3AE8-ECAD-4A94-B848-A14719DD984B}"/>
+                <a16:creationId xmlns:a16="http://schemas.microsoft.com/office/drawing/2014/main" id="{DB6766EF-1E07-4FDC-909C-CDCACAC8FD0F}"/>
+              </a:ext>
+            </a:extLst>
+          </p:cNvPr>
+          <p:cNvPicPr>
+            <a:picLocks noChangeAspect="1"/>
+          </p:cNvPicPr>
+          <p:nvPr/>
+        </p:nvPicPr>
+        <p:blipFill>
+          <a:blip r:embed="rId20">
+            <a:extLst>
+              <a:ext uri="{28A0092B-C50C-407E-A947-70E740481C1C}">
+                <a14:useLocalDpi xmlns:a14="http://schemas.microsoft.com/office/drawing/2010/main" val="0"/>
+              </a:ext>
+              <a:ext uri="{96DAC541-7B7A-43D3-8B79-37D633B846F1}">
+                <asvg:svgBlip xmlns:asvg="http://schemas.microsoft.com/office/drawing/2016/SVG/main" r:embed="rId21"/>
+              </a:ext>
+            </a:extLst>
+          </a:blip>
+          <a:srcRect/>
+          <a:stretch/>
+        </p:blipFill>
+        <p:spPr>
+          <a:xfrm>
+            <a:off x="851817" y="7384646"/>
+            <a:ext cx="914400" cy="914400"/>
+          </a:xfrm>
+          <a:prstGeom prst="rect">
+            <a:avLst/>
+          </a:prstGeom>
+        </p:spPr>
+      </p:pic>
+      <p:sp>
+        <p:nvSpPr>
+          <p:cNvPr id="116" name="Rectangle 115">
+            <a:extLst>
+              <a:ext uri="{FF2B5EF4-FFF2-40B4-BE49-F238E27FC236}">
+                <a16:creationId xmlns:a16="http://schemas.microsoft.com/office/drawing/2014/main" id="{EC3D9B8F-D2B2-4A41-9864-BF8F549141AF}"/>
               </a:ext>
             </a:extLst>
           </p:cNvPr>
@@ -5047,20 +4924,20 @@
         </p:nvSpPr>
         <p:spPr>
           <a:xfrm>
-            <a:off x="2065313" y="7296149"/>
-            <a:ext cx="285750" cy="371616"/>
-          </a:xfrm>
-          <a:prstGeom prst="rightArrow">
+            <a:off x="4558981" y="7841846"/>
+            <a:ext cx="1980000" cy="1980000"/>
+          </a:xfrm>
+          <a:prstGeom prst="rect">
             <a:avLst/>
           </a:prstGeom>
-          <a:solidFill>
-            <a:schemeClr val="accent5">
-              <a:lumMod val="40000"/>
-              <a:lumOff val="60000"/>
-            </a:schemeClr>
-          </a:solidFill>
+          <a:noFill/>
           <a:ln>
-            <a:noFill/>
+            <a:solidFill>
+              <a:schemeClr val="accent5">
+                <a:lumMod val="40000"/>
+                <a:lumOff val="60000"/>
+              </a:schemeClr>
+            </a:solidFill>
           </a:ln>
         </p:spPr>
         <p:style>
@@ -5088,553 +4965,12 @@
           </a:p>
         </p:txBody>
       </p:sp>
-      <p:sp>
-        <p:nvSpPr>
-          <p:cNvPr id="61" name="Flèche : droite 60">
-            <a:extLst>
-              <a:ext uri="{FF2B5EF4-FFF2-40B4-BE49-F238E27FC236}">
-                <a16:creationId xmlns:a16="http://schemas.microsoft.com/office/drawing/2014/main" id="{3404AFBC-698D-48E8-8272-CC99F7DF041E}"/>
-              </a:ext>
-            </a:extLst>
-          </p:cNvPr>
-          <p:cNvSpPr/>
-          <p:nvPr/>
-        </p:nvSpPr>
-        <p:spPr>
-          <a:xfrm>
-            <a:off x="2065313" y="8591549"/>
-            <a:ext cx="285750" cy="371616"/>
-          </a:xfrm>
-          <a:prstGeom prst="rightArrow">
-            <a:avLst/>
-          </a:prstGeom>
-          <a:solidFill>
-            <a:schemeClr val="accent5">
-              <a:lumMod val="40000"/>
-              <a:lumOff val="60000"/>
-            </a:schemeClr>
-          </a:solidFill>
-          <a:ln>
-            <a:noFill/>
-          </a:ln>
-        </p:spPr>
-        <p:style>
-          <a:lnRef idx="2">
-            <a:schemeClr val="accent1">
-              <a:shade val="50000"/>
-            </a:schemeClr>
-          </a:lnRef>
-          <a:fillRef idx="1">
-            <a:schemeClr val="accent1"/>
-          </a:fillRef>
-          <a:effectRef idx="0">
-            <a:schemeClr val="accent1"/>
-          </a:effectRef>
-          <a:fontRef idx="minor">
-            <a:schemeClr val="lt1"/>
-          </a:fontRef>
-        </p:style>
-        <p:txBody>
-          <a:bodyPr rtlCol="0" anchor="ctr"/>
-          <a:lstStyle/>
-          <a:p>
-            <a:pPr algn="ctr"/>
-            <a:endParaRPr lang="fr-FR"/>
-          </a:p>
-        </p:txBody>
-      </p:sp>
-      <p:sp>
-        <p:nvSpPr>
-          <p:cNvPr id="62" name="Flèche : droite 61">
-            <a:extLst>
-              <a:ext uri="{FF2B5EF4-FFF2-40B4-BE49-F238E27FC236}">
-                <a16:creationId xmlns:a16="http://schemas.microsoft.com/office/drawing/2014/main" id="{5B0912D0-142D-4A7E-8F61-34A5CF362562}"/>
-              </a:ext>
-            </a:extLst>
-          </p:cNvPr>
-          <p:cNvSpPr/>
-          <p:nvPr/>
-        </p:nvSpPr>
-        <p:spPr>
-          <a:xfrm rot="10800000">
-            <a:off x="539705" y="2114549"/>
-            <a:ext cx="285750" cy="371616"/>
-          </a:xfrm>
-          <a:prstGeom prst="rightArrow">
-            <a:avLst/>
-          </a:prstGeom>
-          <a:solidFill>
-            <a:schemeClr val="accent5">
-              <a:lumMod val="40000"/>
-              <a:lumOff val="60000"/>
-            </a:schemeClr>
-          </a:solidFill>
-          <a:ln>
-            <a:noFill/>
-          </a:ln>
-        </p:spPr>
-        <p:style>
-          <a:lnRef idx="2">
-            <a:schemeClr val="accent1">
-              <a:shade val="50000"/>
-            </a:schemeClr>
-          </a:lnRef>
-          <a:fillRef idx="1">
-            <a:schemeClr val="accent1"/>
-          </a:fillRef>
-          <a:effectRef idx="0">
-            <a:schemeClr val="accent1"/>
-          </a:effectRef>
-          <a:fontRef idx="minor">
-            <a:schemeClr val="lt1"/>
-          </a:fontRef>
-        </p:style>
-        <p:txBody>
-          <a:bodyPr rtlCol="0" anchor="ctr"/>
-          <a:lstStyle/>
-          <a:p>
-            <a:pPr algn="ctr"/>
-            <a:endParaRPr lang="fr-FR"/>
-          </a:p>
-        </p:txBody>
-      </p:sp>
-      <p:sp>
-        <p:nvSpPr>
-          <p:cNvPr id="63" name="Flèche : droite 62">
-            <a:extLst>
-              <a:ext uri="{FF2B5EF4-FFF2-40B4-BE49-F238E27FC236}">
-                <a16:creationId xmlns:a16="http://schemas.microsoft.com/office/drawing/2014/main" id="{DBAE56F3-3F7E-486D-A110-1BE278D4D207}"/>
-              </a:ext>
-            </a:extLst>
-          </p:cNvPr>
-          <p:cNvSpPr/>
-          <p:nvPr/>
-        </p:nvSpPr>
-        <p:spPr>
-          <a:xfrm rot="10800000">
-            <a:off x="572236" y="3407744"/>
-            <a:ext cx="285750" cy="371616"/>
-          </a:xfrm>
-          <a:prstGeom prst="rightArrow">
-            <a:avLst/>
-          </a:prstGeom>
-          <a:solidFill>
-            <a:schemeClr val="accent5">
-              <a:lumMod val="40000"/>
-              <a:lumOff val="60000"/>
-            </a:schemeClr>
-          </a:solidFill>
-          <a:ln>
-            <a:noFill/>
-          </a:ln>
-        </p:spPr>
-        <p:style>
-          <a:lnRef idx="2">
-            <a:schemeClr val="accent1">
-              <a:shade val="50000"/>
-            </a:schemeClr>
-          </a:lnRef>
-          <a:fillRef idx="1">
-            <a:schemeClr val="accent1"/>
-          </a:fillRef>
-          <a:effectRef idx="0">
-            <a:schemeClr val="accent1"/>
-          </a:effectRef>
-          <a:fontRef idx="minor">
-            <a:schemeClr val="lt1"/>
-          </a:fontRef>
-        </p:style>
-        <p:txBody>
-          <a:bodyPr rtlCol="0" anchor="ctr"/>
-          <a:lstStyle/>
-          <a:p>
-            <a:pPr algn="ctr"/>
-            <a:endParaRPr lang="fr-FR"/>
-          </a:p>
-        </p:txBody>
-      </p:sp>
-      <p:sp>
-        <p:nvSpPr>
-          <p:cNvPr id="64" name="Flèche : droite 63">
-            <a:extLst>
-              <a:ext uri="{FF2B5EF4-FFF2-40B4-BE49-F238E27FC236}">
-                <a16:creationId xmlns:a16="http://schemas.microsoft.com/office/drawing/2014/main" id="{493BF0BD-277A-4016-A46A-AE3A6E70CCA4}"/>
-              </a:ext>
-            </a:extLst>
-          </p:cNvPr>
-          <p:cNvSpPr/>
-          <p:nvPr/>
-        </p:nvSpPr>
-        <p:spPr>
-          <a:xfrm rot="10800000">
-            <a:off x="553922" y="4705349"/>
-            <a:ext cx="285750" cy="371616"/>
-          </a:xfrm>
-          <a:prstGeom prst="rightArrow">
-            <a:avLst/>
-          </a:prstGeom>
-          <a:solidFill>
-            <a:schemeClr val="accent5">
-              <a:lumMod val="40000"/>
-              <a:lumOff val="60000"/>
-            </a:schemeClr>
-          </a:solidFill>
-          <a:ln>
-            <a:noFill/>
-          </a:ln>
-        </p:spPr>
-        <p:style>
-          <a:lnRef idx="2">
-            <a:schemeClr val="accent1">
-              <a:shade val="50000"/>
-            </a:schemeClr>
-          </a:lnRef>
-          <a:fillRef idx="1">
-            <a:schemeClr val="accent1"/>
-          </a:fillRef>
-          <a:effectRef idx="0">
-            <a:schemeClr val="accent1"/>
-          </a:effectRef>
-          <a:fontRef idx="minor">
-            <a:schemeClr val="lt1"/>
-          </a:fontRef>
-        </p:style>
-        <p:txBody>
-          <a:bodyPr rtlCol="0" anchor="ctr"/>
-          <a:lstStyle/>
-          <a:p>
-            <a:pPr algn="ctr"/>
-            <a:endParaRPr lang="fr-FR"/>
-          </a:p>
-        </p:txBody>
-      </p:sp>
-      <p:sp>
-        <p:nvSpPr>
-          <p:cNvPr id="65" name="Flèche : droite 64">
-            <a:extLst>
-              <a:ext uri="{FF2B5EF4-FFF2-40B4-BE49-F238E27FC236}">
-                <a16:creationId xmlns:a16="http://schemas.microsoft.com/office/drawing/2014/main" id="{A1E98846-D5F4-497C-8FC4-A619F4A40FAD}"/>
-              </a:ext>
-            </a:extLst>
-          </p:cNvPr>
-          <p:cNvSpPr/>
-          <p:nvPr/>
-        </p:nvSpPr>
-        <p:spPr>
-          <a:xfrm rot="10800000">
-            <a:off x="546009" y="5998543"/>
-            <a:ext cx="285750" cy="371616"/>
-          </a:xfrm>
-          <a:prstGeom prst="rightArrow">
-            <a:avLst/>
-          </a:prstGeom>
-          <a:solidFill>
-            <a:schemeClr val="accent5">
-              <a:lumMod val="40000"/>
-              <a:lumOff val="60000"/>
-            </a:schemeClr>
-          </a:solidFill>
-          <a:ln>
-            <a:noFill/>
-          </a:ln>
-        </p:spPr>
-        <p:style>
-          <a:lnRef idx="2">
-            <a:schemeClr val="accent1">
-              <a:shade val="50000"/>
-            </a:schemeClr>
-          </a:lnRef>
-          <a:fillRef idx="1">
-            <a:schemeClr val="accent1"/>
-          </a:fillRef>
-          <a:effectRef idx="0">
-            <a:schemeClr val="accent1"/>
-          </a:effectRef>
-          <a:fontRef idx="minor">
-            <a:schemeClr val="lt1"/>
-          </a:fontRef>
-        </p:style>
-        <p:txBody>
-          <a:bodyPr rtlCol="0" anchor="ctr"/>
-          <a:lstStyle/>
-          <a:p>
-            <a:pPr algn="ctr"/>
-            <a:endParaRPr lang="fr-FR"/>
-          </a:p>
-        </p:txBody>
-      </p:sp>
-      <p:sp>
-        <p:nvSpPr>
-          <p:cNvPr id="66" name="Flèche : droite 65">
-            <a:extLst>
-              <a:ext uri="{FF2B5EF4-FFF2-40B4-BE49-F238E27FC236}">
-                <a16:creationId xmlns:a16="http://schemas.microsoft.com/office/drawing/2014/main" id="{23788F2A-E876-44EF-B369-278BC9BD8B50}"/>
-              </a:ext>
-            </a:extLst>
-          </p:cNvPr>
-          <p:cNvSpPr/>
-          <p:nvPr/>
-        </p:nvSpPr>
-        <p:spPr>
-          <a:xfrm rot="10800000">
-            <a:off x="549232" y="7292110"/>
-            <a:ext cx="285750" cy="371616"/>
-          </a:xfrm>
-          <a:prstGeom prst="rightArrow">
-            <a:avLst/>
-          </a:prstGeom>
-          <a:solidFill>
-            <a:schemeClr val="accent5">
-              <a:lumMod val="40000"/>
-              <a:lumOff val="60000"/>
-            </a:schemeClr>
-          </a:solidFill>
-          <a:ln>
-            <a:noFill/>
-          </a:ln>
-        </p:spPr>
-        <p:style>
-          <a:lnRef idx="2">
-            <a:schemeClr val="accent1">
-              <a:shade val="50000"/>
-            </a:schemeClr>
-          </a:lnRef>
-          <a:fillRef idx="1">
-            <a:schemeClr val="accent1"/>
-          </a:fillRef>
-          <a:effectRef idx="0">
-            <a:schemeClr val="accent1"/>
-          </a:effectRef>
-          <a:fontRef idx="minor">
-            <a:schemeClr val="lt1"/>
-          </a:fontRef>
-        </p:style>
-        <p:txBody>
-          <a:bodyPr rtlCol="0" anchor="ctr"/>
-          <a:lstStyle/>
-          <a:p>
-            <a:pPr algn="ctr"/>
-            <a:endParaRPr lang="fr-FR"/>
-          </a:p>
-        </p:txBody>
-      </p:sp>
-      <p:sp>
-        <p:nvSpPr>
-          <p:cNvPr id="67" name="Flèche : droite 66">
-            <a:extLst>
-              <a:ext uri="{FF2B5EF4-FFF2-40B4-BE49-F238E27FC236}">
-                <a16:creationId xmlns:a16="http://schemas.microsoft.com/office/drawing/2014/main" id="{A7936C28-6D61-4990-B208-A7EBE9B1C69B}"/>
-              </a:ext>
-            </a:extLst>
-          </p:cNvPr>
-          <p:cNvSpPr/>
-          <p:nvPr/>
-        </p:nvSpPr>
-        <p:spPr>
-          <a:xfrm rot="10800000">
-            <a:off x="549232" y="8585551"/>
-            <a:ext cx="285750" cy="371616"/>
-          </a:xfrm>
-          <a:prstGeom prst="rightArrow">
-            <a:avLst/>
-          </a:prstGeom>
-          <a:solidFill>
-            <a:schemeClr val="accent5">
-              <a:lumMod val="40000"/>
-              <a:lumOff val="60000"/>
-            </a:schemeClr>
-          </a:solidFill>
-          <a:ln>
-            <a:noFill/>
-          </a:ln>
-        </p:spPr>
-        <p:style>
-          <a:lnRef idx="2">
-            <a:schemeClr val="accent1">
-              <a:shade val="50000"/>
-            </a:schemeClr>
-          </a:lnRef>
-          <a:fillRef idx="1">
-            <a:schemeClr val="accent1"/>
-          </a:fillRef>
-          <a:effectRef idx="0">
-            <a:schemeClr val="accent1"/>
-          </a:effectRef>
-          <a:fontRef idx="minor">
-            <a:schemeClr val="lt1"/>
-          </a:fontRef>
-        </p:style>
-        <p:txBody>
-          <a:bodyPr rtlCol="0" anchor="ctr"/>
-          <a:lstStyle/>
-          <a:p>
-            <a:pPr algn="ctr"/>
-            <a:endParaRPr lang="fr-FR"/>
-          </a:p>
-        </p:txBody>
-      </p:sp>
       <p:pic>
         <p:nvPicPr>
-          <p:cNvPr id="71" name="Graphique 70" descr="Chaussure">
+          <p:cNvPr id="117" name="Graphique 116" descr="Chaussure">
             <a:extLst>
               <a:ext uri="{FF2B5EF4-FFF2-40B4-BE49-F238E27FC236}">
-                <a16:creationId xmlns:a16="http://schemas.microsoft.com/office/drawing/2014/main" id="{8B5DF7BF-1A5E-4B0A-BA39-C20957158D8B}"/>
-              </a:ext>
-            </a:extLst>
-          </p:cNvPr>
-          <p:cNvPicPr>
-            <a:picLocks noChangeAspect="1"/>
-          </p:cNvPicPr>
-          <p:nvPr/>
-        </p:nvPicPr>
-        <p:blipFill>
-          <a:blip r:embed="rId14">
-            <a:extLst>
-              <a:ext uri="{28A0092B-C50C-407E-A947-70E740481C1C}">
-                <a14:useLocalDpi xmlns:a14="http://schemas.microsoft.com/office/drawing/2010/main" val="0"/>
-              </a:ext>
-              <a:ext uri="{96DAC541-7B7A-43D3-8B79-37D633B846F1}">
-                <asvg:svgBlip xmlns:asvg="http://schemas.microsoft.com/office/drawing/2016/SVG/main" r:embed="rId15"/>
-              </a:ext>
-            </a:extLst>
-          </a:blip>
-          <a:stretch>
-            <a:fillRect/>
-          </a:stretch>
-        </p:blipFill>
-        <p:spPr>
-          <a:xfrm>
-            <a:off x="992725" y="8341183"/>
-            <a:ext cx="914400" cy="914400"/>
-          </a:xfrm>
-          <a:prstGeom prst="rect">
-            <a:avLst/>
-          </a:prstGeom>
-        </p:spPr>
-      </p:pic>
-      <p:pic>
-        <p:nvPicPr>
-          <p:cNvPr id="73" name="Graphique 72" descr="Pantalon">
-            <a:extLst>
-              <a:ext uri="{FF2B5EF4-FFF2-40B4-BE49-F238E27FC236}">
-                <a16:creationId xmlns:a16="http://schemas.microsoft.com/office/drawing/2014/main" id="{E18B5A41-23C3-4027-B7B6-A44F1C05EC9C}"/>
-              </a:ext>
-            </a:extLst>
-          </p:cNvPr>
-          <p:cNvPicPr>
-            <a:picLocks noChangeAspect="1"/>
-          </p:cNvPicPr>
-          <p:nvPr/>
-        </p:nvPicPr>
-        <p:blipFill>
-          <a:blip r:embed="rId16">
-            <a:extLst>
-              <a:ext uri="{28A0092B-C50C-407E-A947-70E740481C1C}">
-                <a14:useLocalDpi xmlns:a14="http://schemas.microsoft.com/office/drawing/2010/main" val="0"/>
-              </a:ext>
-              <a:ext uri="{96DAC541-7B7A-43D3-8B79-37D633B846F1}">
-                <asvg:svgBlip xmlns:asvg="http://schemas.microsoft.com/office/drawing/2016/SVG/main" r:embed="rId17"/>
-              </a:ext>
-            </a:extLst>
-          </a:blip>
-          <a:stretch>
-            <a:fillRect/>
-          </a:stretch>
-        </p:blipFill>
-        <p:spPr>
-          <a:xfrm>
-            <a:off x="992725" y="7049019"/>
-            <a:ext cx="914400" cy="914400"/>
-          </a:xfrm>
-          <a:prstGeom prst="rect">
-            <a:avLst/>
-          </a:prstGeom>
-        </p:spPr>
-      </p:pic>
-      <p:pic>
-        <p:nvPicPr>
-          <p:cNvPr id="75" name="Graphique 74" descr="Chemise">
-            <a:extLst>
-              <a:ext uri="{FF2B5EF4-FFF2-40B4-BE49-F238E27FC236}">
-                <a16:creationId xmlns:a16="http://schemas.microsoft.com/office/drawing/2014/main" id="{14D28184-524E-410E-A5E3-BCBA4FCB7FAA}"/>
-              </a:ext>
-            </a:extLst>
-          </p:cNvPr>
-          <p:cNvPicPr>
-            <a:picLocks noChangeAspect="1"/>
-          </p:cNvPicPr>
-          <p:nvPr/>
-        </p:nvPicPr>
-        <p:blipFill>
-          <a:blip r:embed="rId18">
-            <a:extLst>
-              <a:ext uri="{28A0092B-C50C-407E-A947-70E740481C1C}">
-                <a14:useLocalDpi xmlns:a14="http://schemas.microsoft.com/office/drawing/2010/main" val="0"/>
-              </a:ext>
-              <a:ext uri="{96DAC541-7B7A-43D3-8B79-37D633B846F1}">
-                <asvg:svgBlip xmlns:asvg="http://schemas.microsoft.com/office/drawing/2016/SVG/main" r:embed="rId19"/>
-              </a:ext>
-            </a:extLst>
-          </a:blip>
-          <a:stretch>
-            <a:fillRect/>
-          </a:stretch>
-        </p:blipFill>
-        <p:spPr>
-          <a:xfrm>
-            <a:off x="992725" y="3138557"/>
-            <a:ext cx="914400" cy="914400"/>
-          </a:xfrm>
-          <a:prstGeom prst="rect">
-            <a:avLst/>
-          </a:prstGeom>
-        </p:spPr>
-      </p:pic>
-      <p:pic>
-        <p:nvPicPr>
-          <p:cNvPr id="77" name="Graphique 76" descr="Costume">
-            <a:extLst>
-              <a:ext uri="{FF2B5EF4-FFF2-40B4-BE49-F238E27FC236}">
-                <a16:creationId xmlns:a16="http://schemas.microsoft.com/office/drawing/2014/main" id="{A079F337-E1C0-451B-92F0-74C02E0672C5}"/>
-              </a:ext>
-            </a:extLst>
-          </p:cNvPr>
-          <p:cNvPicPr>
-            <a:picLocks noChangeAspect="1"/>
-          </p:cNvPicPr>
-          <p:nvPr/>
-        </p:nvPicPr>
-        <p:blipFill>
-          <a:blip r:embed="rId20">
-            <a:extLst>
-              <a:ext uri="{28A0092B-C50C-407E-A947-70E740481C1C}">
-                <a14:useLocalDpi xmlns:a14="http://schemas.microsoft.com/office/drawing/2010/main" val="0"/>
-              </a:ext>
-              <a:ext uri="{96DAC541-7B7A-43D3-8B79-37D633B846F1}">
-                <asvg:svgBlip xmlns:asvg="http://schemas.microsoft.com/office/drawing/2016/SVG/main" r:embed="rId21"/>
-              </a:ext>
-            </a:extLst>
-          </a:blip>
-          <a:stretch>
-            <a:fillRect/>
-          </a:stretch>
-        </p:blipFill>
-        <p:spPr>
-          <a:xfrm>
-            <a:off x="984225" y="4427201"/>
-            <a:ext cx="914400" cy="914400"/>
-          </a:xfrm>
-          <a:prstGeom prst="rect">
-            <a:avLst/>
-          </a:prstGeom>
-        </p:spPr>
-      </p:pic>
-      <p:pic>
-        <p:nvPicPr>
-          <p:cNvPr id="79" name="Graphique 78" descr="Robe">
-            <a:extLst>
-              <a:ext uri="{FF2B5EF4-FFF2-40B4-BE49-F238E27FC236}">
-                <a16:creationId xmlns:a16="http://schemas.microsoft.com/office/drawing/2014/main" id="{031876DF-1A53-48FA-8EC0-B0781639DE1D}"/>
+                <a16:creationId xmlns:a16="http://schemas.microsoft.com/office/drawing/2014/main" id="{6C6354BC-1C33-462A-BF9A-F0CCF4B1AE25}"/>
               </a:ext>
             </a:extLst>
           </p:cNvPr>
@@ -5654,13 +4990,12 @@
               </a:ext>
             </a:extLst>
           </a:blip>
-          <a:stretch>
-            <a:fillRect/>
-          </a:stretch>
+          <a:srcRect/>
+          <a:stretch/>
         </p:blipFill>
         <p:spPr>
           <a:xfrm>
-            <a:off x="984225" y="5732947"/>
+            <a:off x="5091781" y="8374646"/>
             <a:ext cx="914400" cy="914400"/>
           </a:xfrm>
           <a:prstGeom prst="rect">
@@ -5668,12 +5003,58 @@
           </a:prstGeom>
         </p:spPr>
       </p:pic>
+      <p:cxnSp>
+        <p:nvCxnSpPr>
+          <p:cNvPr id="10" name="Connecteur droit 9">
+            <a:extLst>
+              <a:ext uri="{FF2B5EF4-FFF2-40B4-BE49-F238E27FC236}">
+                <a16:creationId xmlns:a16="http://schemas.microsoft.com/office/drawing/2014/main" id="{95AEF5C7-1944-4FF4-9EA6-07284A2C68DD}"/>
+              </a:ext>
+            </a:extLst>
+          </p:cNvPr>
+          <p:cNvCxnSpPr>
+            <a:cxnSpLocks/>
+          </p:cNvCxnSpPr>
+          <p:nvPr/>
+        </p:nvCxnSpPr>
+        <p:spPr>
+          <a:xfrm>
+            <a:off x="3429000" y="2067066"/>
+            <a:ext cx="0" cy="7790602"/>
+          </a:xfrm>
+          <a:prstGeom prst="line">
+            <a:avLst/>
+          </a:prstGeom>
+          <a:ln>
+            <a:solidFill>
+              <a:schemeClr val="accent5">
+                <a:lumMod val="40000"/>
+                <a:lumOff val="60000"/>
+              </a:schemeClr>
+            </a:solidFill>
+          </a:ln>
+        </p:spPr>
+        <p:style>
+          <a:lnRef idx="1">
+            <a:schemeClr val="accent1"/>
+          </a:lnRef>
+          <a:fillRef idx="0">
+            <a:schemeClr val="accent1"/>
+          </a:fillRef>
+          <a:effectRef idx="0">
+            <a:schemeClr val="accent1"/>
+          </a:effectRef>
+          <a:fontRef idx="minor">
+            <a:schemeClr val="tx1"/>
+          </a:fontRef>
+        </p:style>
+      </p:cxnSp>
       <p:pic>
         <p:nvPicPr>
-          <p:cNvPr id="81" name="Graphique 80" descr="Casquette de baseball">
+          <p:cNvPr id="118" name="Image 117" descr="Une image contenant moniteur, écran, assis, noir&#10;&#10;Description générée automatiquement">
             <a:extLst>
               <a:ext uri="{FF2B5EF4-FFF2-40B4-BE49-F238E27FC236}">
-                <a16:creationId xmlns:a16="http://schemas.microsoft.com/office/drawing/2014/main" id="{8D87CCD4-1FF0-4390-997D-6CAA0C9BAE09}"/>
+                <a16:creationId xmlns:a16="http://schemas.microsoft.com/office/drawing/2014/main" id="{9C532507-6BDE-4296-8BA9-77CF011271FF}"/>
               </a:ext>
             </a:extLst>
           </p:cNvPr>
@@ -5688,9 +5069,6 @@
               <a:ext uri="{28A0092B-C50C-407E-A947-70E740481C1C}">
                 <a14:useLocalDpi xmlns:a14="http://schemas.microsoft.com/office/drawing/2010/main" val="0"/>
               </a:ext>
-              <a:ext uri="{96DAC541-7B7A-43D3-8B79-37D633B846F1}">
-                <asvg:svgBlip xmlns:asvg="http://schemas.microsoft.com/office/drawing/2016/SVG/main" r:embed="rId25"/>
-              </a:ext>
             </a:extLst>
           </a:blip>
           <a:stretch>
@@ -5699,44 +5077,8 @@
         </p:blipFill>
         <p:spPr>
           <a:xfrm>
-            <a:off x="998660" y="1795969"/>
-            <a:ext cx="914400" cy="914400"/>
-          </a:xfrm>
-          <a:prstGeom prst="rect">
-            <a:avLst/>
-          </a:prstGeom>
-        </p:spPr>
-      </p:pic>
-      <p:pic>
-        <p:nvPicPr>
-          <p:cNvPr id="45" name="Image 44" descr="Une image contenant moniteur, écran, assis, noir&#10;&#10;Description générée automatiquement">
-            <a:extLst>
-              <a:ext uri="{FF2B5EF4-FFF2-40B4-BE49-F238E27FC236}">
-                <a16:creationId xmlns:a16="http://schemas.microsoft.com/office/drawing/2014/main" id="{A81E5576-4D85-42A9-8626-58ECDF6C7083}"/>
-              </a:ext>
-            </a:extLst>
-          </p:cNvPr>
-          <p:cNvPicPr>
-            <a:picLocks noChangeAspect="1"/>
-          </p:cNvPicPr>
-          <p:nvPr/>
-        </p:nvPicPr>
-        <p:blipFill>
-          <a:blip r:embed="rId26">
-            <a:extLst>
-              <a:ext uri="{28A0092B-C50C-407E-A947-70E740481C1C}">
-                <a14:useLocalDpi xmlns:a14="http://schemas.microsoft.com/office/drawing/2010/main" val="0"/>
-              </a:ext>
-            </a:extLst>
-          </a:blip>
-          <a:stretch>
-            <a:fillRect/>
-          </a:stretch>
-        </p:blipFill>
-        <p:spPr>
-          <a:xfrm>
-            <a:off x="-3135086" y="-1371600"/>
-            <a:ext cx="12997543" cy="15160172"/>
+            <a:off x="-3081130" y="-1351722"/>
+            <a:ext cx="12943587" cy="15047843"/>
           </a:xfrm>
           <a:prstGeom prst="rect">
             <a:avLst/>

--- a/template/template-app.pptx
+++ b/template/template-app.pptx
@@ -7,6 +7,7 @@
   <p:sldIdLst>
     <p:sldId id="256" r:id="rId2"/>
     <p:sldId id="257" r:id="rId3"/>
+    <p:sldId id="258" r:id="rId4"/>
   </p:sldIdLst>
   <p:sldSz cx="6858000" cy="12192000"/>
   <p:notesSz cx="6858000" cy="9144000"/>
@@ -244,7 +245,7 @@
           <a:p>
             <a:fld id="{FBAC604A-49F2-484B-AFF9-87305F097971}" type="datetimeFigureOut">
               <a:rPr lang="fr-FR" smtClean="0"/>
-              <a:t>15/10/2019</a:t>
+              <a:t>12/11/2019</a:t>
             </a:fld>
             <a:endParaRPr lang="fr-FR"/>
           </a:p>
@@ -414,7 +415,7 @@
           <a:p>
             <a:fld id="{FBAC604A-49F2-484B-AFF9-87305F097971}" type="datetimeFigureOut">
               <a:rPr lang="fr-FR" smtClean="0"/>
-              <a:t>15/10/2019</a:t>
+              <a:t>12/11/2019</a:t>
             </a:fld>
             <a:endParaRPr lang="fr-FR"/>
           </a:p>
@@ -594,7 +595,7 @@
           <a:p>
             <a:fld id="{FBAC604A-49F2-484B-AFF9-87305F097971}" type="datetimeFigureOut">
               <a:rPr lang="fr-FR" smtClean="0"/>
-              <a:t>15/10/2019</a:t>
+              <a:t>12/11/2019</a:t>
             </a:fld>
             <a:endParaRPr lang="fr-FR"/>
           </a:p>
@@ -764,7 +765,7 @@
           <a:p>
             <a:fld id="{FBAC604A-49F2-484B-AFF9-87305F097971}" type="datetimeFigureOut">
               <a:rPr lang="fr-FR" smtClean="0"/>
-              <a:t>15/10/2019</a:t>
+              <a:t>12/11/2019</a:t>
             </a:fld>
             <a:endParaRPr lang="fr-FR"/>
           </a:p>
@@ -1008,7 +1009,7 @@
           <a:p>
             <a:fld id="{FBAC604A-49F2-484B-AFF9-87305F097971}" type="datetimeFigureOut">
               <a:rPr lang="fr-FR" smtClean="0"/>
-              <a:t>15/10/2019</a:t>
+              <a:t>12/11/2019</a:t>
             </a:fld>
             <a:endParaRPr lang="fr-FR"/>
           </a:p>
@@ -1240,7 +1241,7 @@
           <a:p>
             <a:fld id="{FBAC604A-49F2-484B-AFF9-87305F097971}" type="datetimeFigureOut">
               <a:rPr lang="fr-FR" smtClean="0"/>
-              <a:t>15/10/2019</a:t>
+              <a:t>12/11/2019</a:t>
             </a:fld>
             <a:endParaRPr lang="fr-FR"/>
           </a:p>
@@ -1607,7 +1608,7 @@
           <a:p>
             <a:fld id="{FBAC604A-49F2-484B-AFF9-87305F097971}" type="datetimeFigureOut">
               <a:rPr lang="fr-FR" smtClean="0"/>
-              <a:t>15/10/2019</a:t>
+              <a:t>12/11/2019</a:t>
             </a:fld>
             <a:endParaRPr lang="fr-FR"/>
           </a:p>
@@ -1725,7 +1726,7 @@
           <a:p>
             <a:fld id="{FBAC604A-49F2-484B-AFF9-87305F097971}" type="datetimeFigureOut">
               <a:rPr lang="fr-FR" smtClean="0"/>
-              <a:t>15/10/2019</a:t>
+              <a:t>12/11/2019</a:t>
             </a:fld>
             <a:endParaRPr lang="fr-FR"/>
           </a:p>
@@ -1820,7 +1821,7 @@
           <a:p>
             <a:fld id="{FBAC604A-49F2-484B-AFF9-87305F097971}" type="datetimeFigureOut">
               <a:rPr lang="fr-FR" smtClean="0"/>
-              <a:t>15/10/2019</a:t>
+              <a:t>12/11/2019</a:t>
             </a:fld>
             <a:endParaRPr lang="fr-FR"/>
           </a:p>
@@ -2097,7 +2098,7 @@
           <a:p>
             <a:fld id="{FBAC604A-49F2-484B-AFF9-87305F097971}" type="datetimeFigureOut">
               <a:rPr lang="fr-FR" smtClean="0"/>
-              <a:t>15/10/2019</a:t>
+              <a:t>12/11/2019</a:t>
             </a:fld>
             <a:endParaRPr lang="fr-FR"/>
           </a:p>
@@ -2354,7 +2355,7 @@
           <a:p>
             <a:fld id="{FBAC604A-49F2-484B-AFF9-87305F097971}" type="datetimeFigureOut">
               <a:rPr lang="fr-FR" smtClean="0"/>
-              <a:t>15/10/2019</a:t>
+              <a:t>12/11/2019</a:t>
             </a:fld>
             <a:endParaRPr lang="fr-FR"/>
           </a:p>
@@ -2567,7 +2568,7 @@
           <a:p>
             <a:fld id="{FBAC604A-49F2-484B-AFF9-87305F097971}" type="datetimeFigureOut">
               <a:rPr lang="fr-FR" smtClean="0"/>
-              <a:t>15/10/2019</a:t>
+              <a:t>12/11/2019</a:t>
             </a:fld>
             <a:endParaRPr lang="fr-FR"/>
           </a:p>
@@ -5051,10 +5052,10 @@
       </p:cxnSp>
       <p:pic>
         <p:nvPicPr>
-          <p:cNvPr id="118" name="Image 117" descr="Une image contenant moniteur, écran, assis, noir&#10;&#10;Description générée automatiquement">
-            <a:extLst>
-              <a:ext uri="{FF2B5EF4-FFF2-40B4-BE49-F238E27FC236}">
-                <a16:creationId xmlns:a16="http://schemas.microsoft.com/office/drawing/2014/main" id="{9C532507-6BDE-4296-8BA9-77CF011271FF}"/>
+          <p:cNvPr id="32" name="Image 31" descr="Une image contenant moniteur, écran, assis, noir&#10;&#10;Description générée automatiquement">
+            <a:extLst>
+              <a:ext uri="{FF2B5EF4-FFF2-40B4-BE49-F238E27FC236}">
+                <a16:creationId xmlns:a16="http://schemas.microsoft.com/office/drawing/2014/main" id="{032CD890-0659-40CC-83E3-CE8AEBDA84CC}"/>
               </a:ext>
             </a:extLst>
           </p:cNvPr>
@@ -5089,6 +5090,1307 @@
     <p:extLst>
       <p:ext uri="{BB962C8B-B14F-4D97-AF65-F5344CB8AC3E}">
         <p14:creationId xmlns:p14="http://schemas.microsoft.com/office/powerpoint/2010/main" val="2653156908"/>
+      </p:ext>
+    </p:extLst>
+  </p:cSld>
+  <p:clrMapOvr>
+    <a:masterClrMapping/>
+  </p:clrMapOvr>
+</p:sld>
+</file>
+
+<file path=ppt/slides/slide3.xml><?xml version="1.0" encoding="utf-8"?>
+<p:sld xmlns:a="http://schemas.openxmlformats.org/drawingml/2006/main" xmlns:r="http://schemas.openxmlformats.org/officeDocument/2006/relationships" xmlns:p="http://schemas.openxmlformats.org/presentationml/2006/main">
+  <p:cSld>
+    <p:spTree>
+      <p:nvGrpSpPr>
+        <p:cNvPr id="1" name=""/>
+        <p:cNvGrpSpPr/>
+        <p:nvPr/>
+      </p:nvGrpSpPr>
+      <p:grpSpPr>
+        <a:xfrm>
+          <a:off x="0" y="0"/>
+          <a:ext cx="0" cy="0"/>
+          <a:chOff x="0" y="0"/>
+          <a:chExt cx="0" cy="0"/>
+        </a:xfrm>
+      </p:grpSpPr>
+      <p:sp>
+        <p:nvSpPr>
+          <p:cNvPr id="3" name="Rectangle 2">
+            <a:extLst>
+              <a:ext uri="{FF2B5EF4-FFF2-40B4-BE49-F238E27FC236}">
+                <a16:creationId xmlns:a16="http://schemas.microsoft.com/office/drawing/2014/main" id="{5FA50709-9E12-4CB3-ABFF-9860B148975C}"/>
+              </a:ext>
+            </a:extLst>
+          </p:cNvPr>
+          <p:cNvSpPr/>
+          <p:nvPr/>
+        </p:nvSpPr>
+        <p:spPr>
+          <a:xfrm>
+            <a:off x="0" y="11277600"/>
+            <a:ext cx="6858001" cy="914400"/>
+          </a:xfrm>
+          <a:prstGeom prst="rect">
+            <a:avLst/>
+          </a:prstGeom>
+          <a:solidFill>
+            <a:schemeClr val="accent5">
+              <a:lumMod val="20000"/>
+              <a:lumOff val="80000"/>
+            </a:schemeClr>
+          </a:solidFill>
+          <a:ln>
+            <a:noFill/>
+          </a:ln>
+        </p:spPr>
+        <p:style>
+          <a:lnRef idx="2">
+            <a:schemeClr val="accent1">
+              <a:shade val="50000"/>
+            </a:schemeClr>
+          </a:lnRef>
+          <a:fillRef idx="1">
+            <a:schemeClr val="accent1"/>
+          </a:fillRef>
+          <a:effectRef idx="0">
+            <a:schemeClr val="accent1"/>
+          </a:effectRef>
+          <a:fontRef idx="minor">
+            <a:schemeClr val="lt1"/>
+          </a:fontRef>
+        </p:style>
+        <p:txBody>
+          <a:bodyPr rtlCol="0" anchor="ctr"/>
+          <a:lstStyle/>
+          <a:p>
+            <a:pPr algn="ctr"/>
+            <a:endParaRPr lang="fr-FR"/>
+          </a:p>
+        </p:txBody>
+      </p:sp>
+      <p:sp>
+        <p:nvSpPr>
+          <p:cNvPr id="23" name="Ellipse 22">
+            <a:extLst>
+              <a:ext uri="{FF2B5EF4-FFF2-40B4-BE49-F238E27FC236}">
+                <a16:creationId xmlns:a16="http://schemas.microsoft.com/office/drawing/2014/main" id="{D0560F6B-B2D4-4224-8852-843AD1B8B466}"/>
+              </a:ext>
+            </a:extLst>
+          </p:cNvPr>
+          <p:cNvSpPr/>
+          <p:nvPr/>
+        </p:nvSpPr>
+        <p:spPr>
+          <a:xfrm>
+            <a:off x="6120532" y="11502684"/>
+            <a:ext cx="506436" cy="464232"/>
+          </a:xfrm>
+          <a:prstGeom prst="ellipse">
+            <a:avLst/>
+          </a:prstGeom>
+          <a:solidFill>
+            <a:schemeClr val="accent5">
+              <a:lumMod val="40000"/>
+              <a:lumOff val="60000"/>
+            </a:schemeClr>
+          </a:solidFill>
+          <a:ln>
+            <a:solidFill>
+              <a:schemeClr val="accent5">
+                <a:lumMod val="40000"/>
+                <a:lumOff val="60000"/>
+              </a:schemeClr>
+            </a:solidFill>
+          </a:ln>
+        </p:spPr>
+        <p:style>
+          <a:lnRef idx="2">
+            <a:schemeClr val="accent1">
+              <a:shade val="50000"/>
+            </a:schemeClr>
+          </a:lnRef>
+          <a:fillRef idx="1">
+            <a:schemeClr val="accent1"/>
+          </a:fillRef>
+          <a:effectRef idx="0">
+            <a:schemeClr val="accent1"/>
+          </a:effectRef>
+          <a:fontRef idx="minor">
+            <a:schemeClr val="lt1"/>
+          </a:fontRef>
+        </p:style>
+        <p:txBody>
+          <a:bodyPr rtlCol="0" anchor="ctr"/>
+          <a:lstStyle/>
+          <a:p>
+            <a:pPr algn="ctr"/>
+            <a:endParaRPr lang="fr-FR"/>
+          </a:p>
+        </p:txBody>
+      </p:sp>
+      <p:pic>
+        <p:nvPicPr>
+          <p:cNvPr id="19" name="Graphique 18" descr="Ajouter">
+            <a:extLst>
+              <a:ext uri="{FF2B5EF4-FFF2-40B4-BE49-F238E27FC236}">
+                <a16:creationId xmlns:a16="http://schemas.microsoft.com/office/drawing/2014/main" id="{A0445242-5841-4AB8-B64F-77D860DDEE27}"/>
+              </a:ext>
+            </a:extLst>
+          </p:cNvPr>
+          <p:cNvPicPr>
+            <a:picLocks noChangeAspect="1"/>
+          </p:cNvPicPr>
+          <p:nvPr/>
+        </p:nvPicPr>
+        <p:blipFill>
+          <a:blip r:embed="rId2">
+            <a:extLst>
+              <a:ext uri="{28A0092B-C50C-407E-A947-70E740481C1C}">
+                <a14:useLocalDpi xmlns:a14="http://schemas.microsoft.com/office/drawing/2010/main" val="0"/>
+              </a:ext>
+              <a:ext uri="{96DAC541-7B7A-43D3-8B79-37D633B846F1}">
+                <asvg:svgBlip xmlns:asvg="http://schemas.microsoft.com/office/drawing/2016/SVG/main" r:embed="rId3"/>
+              </a:ext>
+            </a:extLst>
+          </a:blip>
+          <a:stretch>
+            <a:fillRect/>
+          </a:stretch>
+        </p:blipFill>
+        <p:spPr>
+          <a:xfrm>
+            <a:off x="6233011" y="11591340"/>
+            <a:ext cx="305970" cy="305970"/>
+          </a:xfrm>
+          <a:prstGeom prst="rect">
+            <a:avLst/>
+          </a:prstGeom>
+        </p:spPr>
+      </p:pic>
+      <p:pic>
+        <p:nvPicPr>
+          <p:cNvPr id="25" name="Graphique 24" descr="Lunettes de soleil">
+            <a:extLst>
+              <a:ext uri="{FF2B5EF4-FFF2-40B4-BE49-F238E27FC236}">
+                <a16:creationId xmlns:a16="http://schemas.microsoft.com/office/drawing/2014/main" id="{A8636000-ACD1-4EFF-B181-C8157B6B2040}"/>
+              </a:ext>
+            </a:extLst>
+          </p:cNvPr>
+          <p:cNvPicPr>
+            <a:picLocks noChangeAspect="1"/>
+          </p:cNvPicPr>
+          <p:nvPr/>
+        </p:nvPicPr>
+        <p:blipFill>
+          <a:blip r:embed="rId4">
+            <a:extLst>
+              <a:ext uri="{28A0092B-C50C-407E-A947-70E740481C1C}">
+                <a14:useLocalDpi xmlns:a14="http://schemas.microsoft.com/office/drawing/2010/main" val="0"/>
+              </a:ext>
+              <a:ext uri="{96DAC541-7B7A-43D3-8B79-37D633B846F1}">
+                <asvg:svgBlip xmlns:asvg="http://schemas.microsoft.com/office/drawing/2016/SVG/main" r:embed="rId5"/>
+              </a:ext>
+            </a:extLst>
+          </a:blip>
+          <a:stretch>
+            <a:fillRect/>
+          </a:stretch>
+        </p:blipFill>
+        <p:spPr>
+          <a:xfrm>
+            <a:off x="2971800" y="11319217"/>
+            <a:ext cx="914400" cy="914400"/>
+          </a:xfrm>
+          <a:prstGeom prst="rect">
+            <a:avLst/>
+          </a:prstGeom>
+        </p:spPr>
+      </p:pic>
+      <p:sp>
+        <p:nvSpPr>
+          <p:cNvPr id="26" name="Rectangle : coins arrondis 25">
+            <a:extLst>
+              <a:ext uri="{FF2B5EF4-FFF2-40B4-BE49-F238E27FC236}">
+                <a16:creationId xmlns:a16="http://schemas.microsoft.com/office/drawing/2014/main" id="{4C58C121-6527-47A0-B23B-A4AB93B5AA53}"/>
+              </a:ext>
+            </a:extLst>
+          </p:cNvPr>
+          <p:cNvSpPr/>
+          <p:nvPr/>
+        </p:nvSpPr>
+        <p:spPr>
+          <a:xfrm>
+            <a:off x="456030" y="11632956"/>
+            <a:ext cx="506437" cy="70338"/>
+          </a:xfrm>
+          <a:prstGeom prst="roundRect">
+            <a:avLst/>
+          </a:prstGeom>
+          <a:solidFill>
+            <a:schemeClr val="accent5">
+              <a:lumMod val="40000"/>
+              <a:lumOff val="60000"/>
+            </a:schemeClr>
+          </a:solidFill>
+          <a:ln>
+            <a:noFill/>
+          </a:ln>
+        </p:spPr>
+        <p:style>
+          <a:lnRef idx="2">
+            <a:schemeClr val="accent1">
+              <a:shade val="50000"/>
+            </a:schemeClr>
+          </a:lnRef>
+          <a:fillRef idx="1">
+            <a:schemeClr val="accent1"/>
+          </a:fillRef>
+          <a:effectRef idx="0">
+            <a:schemeClr val="accent1"/>
+          </a:effectRef>
+          <a:fontRef idx="minor">
+            <a:schemeClr val="lt1"/>
+          </a:fontRef>
+        </p:style>
+        <p:txBody>
+          <a:bodyPr rtlCol="0" anchor="ctr"/>
+          <a:lstStyle/>
+          <a:p>
+            <a:pPr algn="ctr"/>
+            <a:endParaRPr lang="fr-FR"/>
+          </a:p>
+        </p:txBody>
+      </p:sp>
+      <p:sp>
+        <p:nvSpPr>
+          <p:cNvPr id="29" name="Rectangle : coins arrondis 28">
+            <a:extLst>
+              <a:ext uri="{FF2B5EF4-FFF2-40B4-BE49-F238E27FC236}">
+                <a16:creationId xmlns:a16="http://schemas.microsoft.com/office/drawing/2014/main" id="{9EE57F43-14A1-4331-9FE4-A2B7C7FBA31D}"/>
+              </a:ext>
+            </a:extLst>
+          </p:cNvPr>
+          <p:cNvSpPr/>
+          <p:nvPr/>
+        </p:nvSpPr>
+        <p:spPr>
+          <a:xfrm>
+            <a:off x="456029" y="11785356"/>
+            <a:ext cx="506437" cy="70338"/>
+          </a:xfrm>
+          <a:prstGeom prst="roundRect">
+            <a:avLst/>
+          </a:prstGeom>
+          <a:solidFill>
+            <a:schemeClr val="accent5">
+              <a:lumMod val="40000"/>
+              <a:lumOff val="60000"/>
+            </a:schemeClr>
+          </a:solidFill>
+          <a:ln>
+            <a:noFill/>
+          </a:ln>
+        </p:spPr>
+        <p:style>
+          <a:lnRef idx="2">
+            <a:schemeClr val="accent1">
+              <a:shade val="50000"/>
+            </a:schemeClr>
+          </a:lnRef>
+          <a:fillRef idx="1">
+            <a:schemeClr val="accent1"/>
+          </a:fillRef>
+          <a:effectRef idx="0">
+            <a:schemeClr val="accent1"/>
+          </a:effectRef>
+          <a:fontRef idx="minor">
+            <a:schemeClr val="lt1"/>
+          </a:fontRef>
+        </p:style>
+        <p:txBody>
+          <a:bodyPr rtlCol="0" anchor="ctr"/>
+          <a:lstStyle/>
+          <a:p>
+            <a:pPr algn="ctr"/>
+            <a:endParaRPr lang="fr-FR"/>
+          </a:p>
+        </p:txBody>
+      </p:sp>
+      <p:sp>
+        <p:nvSpPr>
+          <p:cNvPr id="30" name="Rectangle : coins arrondis 29">
+            <a:extLst>
+              <a:ext uri="{FF2B5EF4-FFF2-40B4-BE49-F238E27FC236}">
+                <a16:creationId xmlns:a16="http://schemas.microsoft.com/office/drawing/2014/main" id="{AAD679DB-C611-4BA5-9352-3C2B53EAB5B0}"/>
+              </a:ext>
+            </a:extLst>
+          </p:cNvPr>
+          <p:cNvSpPr/>
+          <p:nvPr/>
+        </p:nvSpPr>
+        <p:spPr>
+          <a:xfrm>
+            <a:off x="319019" y="11862141"/>
+            <a:ext cx="506437" cy="70338"/>
+          </a:xfrm>
+          <a:prstGeom prst="roundRect">
+            <a:avLst/>
+          </a:prstGeom>
+          <a:solidFill>
+            <a:schemeClr val="accent5">
+              <a:lumMod val="40000"/>
+              <a:lumOff val="60000"/>
+            </a:schemeClr>
+          </a:solidFill>
+          <a:ln>
+            <a:noFill/>
+          </a:ln>
+        </p:spPr>
+        <p:style>
+          <a:lnRef idx="2">
+            <a:schemeClr val="accent1">
+              <a:shade val="50000"/>
+            </a:schemeClr>
+          </a:lnRef>
+          <a:fillRef idx="1">
+            <a:schemeClr val="accent1"/>
+          </a:fillRef>
+          <a:effectRef idx="0">
+            <a:schemeClr val="accent1"/>
+          </a:effectRef>
+          <a:fontRef idx="minor">
+            <a:schemeClr val="lt1"/>
+          </a:fontRef>
+        </p:style>
+        <p:txBody>
+          <a:bodyPr rtlCol="0" anchor="ctr"/>
+          <a:lstStyle/>
+          <a:p>
+            <a:pPr algn="ctr"/>
+            <a:endParaRPr lang="fr-FR"/>
+          </a:p>
+        </p:txBody>
+      </p:sp>
+      <p:sp>
+        <p:nvSpPr>
+          <p:cNvPr id="49" name="Rectangle 48">
+            <a:extLst>
+              <a:ext uri="{FF2B5EF4-FFF2-40B4-BE49-F238E27FC236}">
+                <a16:creationId xmlns:a16="http://schemas.microsoft.com/office/drawing/2014/main" id="{3980639B-BBA8-498C-A338-68D90009249C}"/>
+              </a:ext>
+            </a:extLst>
+          </p:cNvPr>
+          <p:cNvSpPr/>
+          <p:nvPr/>
+        </p:nvSpPr>
+        <p:spPr>
+          <a:xfrm>
+            <a:off x="0" y="0"/>
+            <a:ext cx="6858001" cy="1346542"/>
+          </a:xfrm>
+          <a:prstGeom prst="rect">
+            <a:avLst/>
+          </a:prstGeom>
+          <a:solidFill>
+            <a:schemeClr val="accent5">
+              <a:lumMod val="20000"/>
+              <a:lumOff val="80000"/>
+            </a:schemeClr>
+          </a:solidFill>
+          <a:ln>
+            <a:noFill/>
+          </a:ln>
+        </p:spPr>
+        <p:style>
+          <a:lnRef idx="2">
+            <a:schemeClr val="accent1">
+              <a:shade val="50000"/>
+            </a:schemeClr>
+          </a:lnRef>
+          <a:fillRef idx="1">
+            <a:schemeClr val="accent1"/>
+          </a:fillRef>
+          <a:effectRef idx="0">
+            <a:schemeClr val="accent1"/>
+          </a:effectRef>
+          <a:fontRef idx="minor">
+            <a:schemeClr val="lt1"/>
+          </a:fontRef>
+        </p:style>
+        <p:txBody>
+          <a:bodyPr rtlCol="0" anchor="ctr"/>
+          <a:lstStyle/>
+          <a:p>
+            <a:pPr algn="ctr"/>
+            <a:endParaRPr lang="fr-FR"/>
+          </a:p>
+        </p:txBody>
+      </p:sp>
+      <p:sp>
+        <p:nvSpPr>
+          <p:cNvPr id="31" name="ZoneTexte 30">
+            <a:extLst>
+              <a:ext uri="{FF2B5EF4-FFF2-40B4-BE49-F238E27FC236}">
+                <a16:creationId xmlns:a16="http://schemas.microsoft.com/office/drawing/2014/main" id="{007864C6-97BE-4B2D-97D5-124A0EF2F1AA}"/>
+              </a:ext>
+            </a:extLst>
+          </p:cNvPr>
+          <p:cNvSpPr txBox="1"/>
+          <p:nvPr/>
+        </p:nvSpPr>
+        <p:spPr>
+          <a:xfrm>
+            <a:off x="187788" y="350105"/>
+            <a:ext cx="6482423" cy="646331"/>
+          </a:xfrm>
+          <a:prstGeom prst="rect">
+            <a:avLst/>
+          </a:prstGeom>
+          <a:noFill/>
+        </p:spPr>
+        <p:txBody>
+          <a:bodyPr wrap="square" rtlCol="0">
+            <a:spAutoFit/>
+          </a:bodyPr>
+          <a:lstStyle/>
+          <a:p>
+            <a:r>
+              <a:rPr lang="fr-FR" dirty="0">
+                <a:solidFill>
+                  <a:schemeClr val="accent5">
+                    <a:lumMod val="60000"/>
+                    <a:lumOff val="40000"/>
+                  </a:schemeClr>
+                </a:solidFill>
+              </a:rPr>
+              <a:t>Sélectionnez le type de vêtement que vous voulez ajouter, prenez en photo le vêtement et pour finir sélectionnez sa couleur !</a:t>
+            </a:r>
+          </a:p>
+        </p:txBody>
+      </p:sp>
+      <p:sp>
+        <p:nvSpPr>
+          <p:cNvPr id="2" name="Rectangle : coins arrondis 1">
+            <a:extLst>
+              <a:ext uri="{FF2B5EF4-FFF2-40B4-BE49-F238E27FC236}">
+                <a16:creationId xmlns:a16="http://schemas.microsoft.com/office/drawing/2014/main" id="{DE87337E-7DD6-4B3F-93EA-D29A629E5253}"/>
+              </a:ext>
+            </a:extLst>
+          </p:cNvPr>
+          <p:cNvSpPr/>
+          <p:nvPr/>
+        </p:nvSpPr>
+        <p:spPr>
+          <a:xfrm>
+            <a:off x="650897" y="8545656"/>
+            <a:ext cx="1700282" cy="526367"/>
+          </a:xfrm>
+          <a:prstGeom prst="roundRect">
+            <a:avLst/>
+          </a:prstGeom>
+          <a:solidFill>
+            <a:schemeClr val="accent5">
+              <a:lumMod val="20000"/>
+              <a:lumOff val="80000"/>
+            </a:schemeClr>
+          </a:solidFill>
+          <a:ln>
+            <a:noFill/>
+          </a:ln>
+        </p:spPr>
+        <p:style>
+          <a:lnRef idx="2">
+            <a:schemeClr val="accent1">
+              <a:shade val="50000"/>
+            </a:schemeClr>
+          </a:lnRef>
+          <a:fillRef idx="1">
+            <a:schemeClr val="accent1"/>
+          </a:fillRef>
+          <a:effectRef idx="0">
+            <a:schemeClr val="accent1"/>
+          </a:effectRef>
+          <a:fontRef idx="minor">
+            <a:schemeClr val="lt1"/>
+          </a:fontRef>
+        </p:style>
+        <p:txBody>
+          <a:bodyPr rtlCol="0" anchor="ctr"/>
+          <a:lstStyle/>
+          <a:p>
+            <a:pPr algn="ctr"/>
+            <a:endParaRPr lang="fr-FR"/>
+          </a:p>
+        </p:txBody>
+      </p:sp>
+      <p:sp>
+        <p:nvSpPr>
+          <p:cNvPr id="38" name="Rectangle : coins arrondis 37">
+            <a:extLst>
+              <a:ext uri="{FF2B5EF4-FFF2-40B4-BE49-F238E27FC236}">
+                <a16:creationId xmlns:a16="http://schemas.microsoft.com/office/drawing/2014/main" id="{B370EC33-5982-415A-9B93-0D1037967458}"/>
+              </a:ext>
+            </a:extLst>
+          </p:cNvPr>
+          <p:cNvSpPr/>
+          <p:nvPr/>
+        </p:nvSpPr>
+        <p:spPr>
+          <a:xfrm>
+            <a:off x="2592712" y="8545656"/>
+            <a:ext cx="1700282" cy="526367"/>
+          </a:xfrm>
+          <a:prstGeom prst="roundRect">
+            <a:avLst/>
+          </a:prstGeom>
+          <a:solidFill>
+            <a:schemeClr val="accent5">
+              <a:lumMod val="20000"/>
+              <a:lumOff val="80000"/>
+            </a:schemeClr>
+          </a:solidFill>
+          <a:ln>
+            <a:noFill/>
+          </a:ln>
+        </p:spPr>
+        <p:style>
+          <a:lnRef idx="2">
+            <a:schemeClr val="accent1">
+              <a:shade val="50000"/>
+            </a:schemeClr>
+          </a:lnRef>
+          <a:fillRef idx="1">
+            <a:schemeClr val="accent1"/>
+          </a:fillRef>
+          <a:effectRef idx="0">
+            <a:schemeClr val="accent1"/>
+          </a:effectRef>
+          <a:fontRef idx="minor">
+            <a:schemeClr val="lt1"/>
+          </a:fontRef>
+        </p:style>
+        <p:txBody>
+          <a:bodyPr rtlCol="0" anchor="ctr"/>
+          <a:lstStyle/>
+          <a:p>
+            <a:pPr algn="ctr"/>
+            <a:endParaRPr lang="fr-FR"/>
+          </a:p>
+        </p:txBody>
+      </p:sp>
+      <p:sp>
+        <p:nvSpPr>
+          <p:cNvPr id="39" name="Rectangle : coins arrondis 38">
+            <a:extLst>
+              <a:ext uri="{FF2B5EF4-FFF2-40B4-BE49-F238E27FC236}">
+                <a16:creationId xmlns:a16="http://schemas.microsoft.com/office/drawing/2014/main" id="{0BB587CB-6CC4-411F-BD06-B44D938547DD}"/>
+              </a:ext>
+            </a:extLst>
+          </p:cNvPr>
+          <p:cNvSpPr/>
+          <p:nvPr/>
+        </p:nvSpPr>
+        <p:spPr>
+          <a:xfrm>
+            <a:off x="4532729" y="8545527"/>
+            <a:ext cx="1700282" cy="526367"/>
+          </a:xfrm>
+          <a:prstGeom prst="roundRect">
+            <a:avLst/>
+          </a:prstGeom>
+          <a:solidFill>
+            <a:schemeClr val="accent5">
+              <a:lumMod val="20000"/>
+              <a:lumOff val="80000"/>
+            </a:schemeClr>
+          </a:solidFill>
+          <a:ln>
+            <a:noFill/>
+          </a:ln>
+        </p:spPr>
+        <p:style>
+          <a:lnRef idx="2">
+            <a:schemeClr val="accent1">
+              <a:shade val="50000"/>
+            </a:schemeClr>
+          </a:lnRef>
+          <a:fillRef idx="1">
+            <a:schemeClr val="accent1"/>
+          </a:fillRef>
+          <a:effectRef idx="0">
+            <a:schemeClr val="accent1"/>
+          </a:effectRef>
+          <a:fontRef idx="minor">
+            <a:schemeClr val="lt1"/>
+          </a:fontRef>
+        </p:style>
+        <p:txBody>
+          <a:bodyPr rtlCol="0" anchor="ctr"/>
+          <a:lstStyle/>
+          <a:p>
+            <a:pPr algn="ctr"/>
+            <a:endParaRPr lang="fr-FR"/>
+          </a:p>
+        </p:txBody>
+      </p:sp>
+      <p:sp>
+        <p:nvSpPr>
+          <p:cNvPr id="40" name="Rectangle : coins arrondis 39">
+            <a:extLst>
+              <a:ext uri="{FF2B5EF4-FFF2-40B4-BE49-F238E27FC236}">
+                <a16:creationId xmlns:a16="http://schemas.microsoft.com/office/drawing/2014/main" id="{A22E7233-C85E-4666-85DE-BC63DBFDB838}"/>
+              </a:ext>
+            </a:extLst>
+          </p:cNvPr>
+          <p:cNvSpPr/>
+          <p:nvPr/>
+        </p:nvSpPr>
+        <p:spPr>
+          <a:xfrm>
+            <a:off x="650897" y="9297037"/>
+            <a:ext cx="1700282" cy="526367"/>
+          </a:xfrm>
+          <a:prstGeom prst="roundRect">
+            <a:avLst/>
+          </a:prstGeom>
+          <a:solidFill>
+            <a:schemeClr val="accent5">
+              <a:lumMod val="20000"/>
+              <a:lumOff val="80000"/>
+            </a:schemeClr>
+          </a:solidFill>
+          <a:ln>
+            <a:noFill/>
+          </a:ln>
+        </p:spPr>
+        <p:style>
+          <a:lnRef idx="2">
+            <a:schemeClr val="accent1">
+              <a:shade val="50000"/>
+            </a:schemeClr>
+          </a:lnRef>
+          <a:fillRef idx="1">
+            <a:schemeClr val="accent1"/>
+          </a:fillRef>
+          <a:effectRef idx="0">
+            <a:schemeClr val="accent1"/>
+          </a:effectRef>
+          <a:fontRef idx="minor">
+            <a:schemeClr val="lt1"/>
+          </a:fontRef>
+        </p:style>
+        <p:txBody>
+          <a:bodyPr rtlCol="0" anchor="ctr"/>
+          <a:lstStyle/>
+          <a:p>
+            <a:pPr algn="ctr"/>
+            <a:endParaRPr lang="fr-FR"/>
+          </a:p>
+        </p:txBody>
+      </p:sp>
+      <p:sp>
+        <p:nvSpPr>
+          <p:cNvPr id="41" name="Rectangle : coins arrondis 40">
+            <a:extLst>
+              <a:ext uri="{FF2B5EF4-FFF2-40B4-BE49-F238E27FC236}">
+                <a16:creationId xmlns:a16="http://schemas.microsoft.com/office/drawing/2014/main" id="{3C478902-9230-45CA-A0DA-9969C86E5E96}"/>
+              </a:ext>
+            </a:extLst>
+          </p:cNvPr>
+          <p:cNvSpPr/>
+          <p:nvPr/>
+        </p:nvSpPr>
+        <p:spPr>
+          <a:xfrm>
+            <a:off x="2592712" y="9297036"/>
+            <a:ext cx="1700282" cy="526367"/>
+          </a:xfrm>
+          <a:prstGeom prst="roundRect">
+            <a:avLst/>
+          </a:prstGeom>
+          <a:solidFill>
+            <a:schemeClr val="accent5">
+              <a:lumMod val="20000"/>
+              <a:lumOff val="80000"/>
+            </a:schemeClr>
+          </a:solidFill>
+          <a:ln>
+            <a:noFill/>
+          </a:ln>
+        </p:spPr>
+        <p:style>
+          <a:lnRef idx="2">
+            <a:schemeClr val="accent1">
+              <a:shade val="50000"/>
+            </a:schemeClr>
+          </a:lnRef>
+          <a:fillRef idx="1">
+            <a:schemeClr val="accent1"/>
+          </a:fillRef>
+          <a:effectRef idx="0">
+            <a:schemeClr val="accent1"/>
+          </a:effectRef>
+          <a:fontRef idx="minor">
+            <a:schemeClr val="lt1"/>
+          </a:fontRef>
+        </p:style>
+        <p:txBody>
+          <a:bodyPr rtlCol="0" anchor="ctr"/>
+          <a:lstStyle/>
+          <a:p>
+            <a:pPr algn="ctr"/>
+            <a:endParaRPr lang="fr-FR"/>
+          </a:p>
+        </p:txBody>
+      </p:sp>
+      <p:sp>
+        <p:nvSpPr>
+          <p:cNvPr id="42" name="Rectangle : coins arrondis 41">
+            <a:extLst>
+              <a:ext uri="{FF2B5EF4-FFF2-40B4-BE49-F238E27FC236}">
+                <a16:creationId xmlns:a16="http://schemas.microsoft.com/office/drawing/2014/main" id="{7E6ED9D7-981A-4E55-A171-4900C22E29F8}"/>
+              </a:ext>
+            </a:extLst>
+          </p:cNvPr>
+          <p:cNvSpPr/>
+          <p:nvPr/>
+        </p:nvSpPr>
+        <p:spPr>
+          <a:xfrm>
+            <a:off x="4532729" y="9297037"/>
+            <a:ext cx="1700282" cy="526367"/>
+          </a:xfrm>
+          <a:prstGeom prst="roundRect">
+            <a:avLst/>
+          </a:prstGeom>
+          <a:solidFill>
+            <a:schemeClr val="accent5">
+              <a:lumMod val="20000"/>
+              <a:lumOff val="80000"/>
+            </a:schemeClr>
+          </a:solidFill>
+          <a:ln>
+            <a:noFill/>
+          </a:ln>
+        </p:spPr>
+        <p:style>
+          <a:lnRef idx="2">
+            <a:schemeClr val="accent1">
+              <a:shade val="50000"/>
+            </a:schemeClr>
+          </a:lnRef>
+          <a:fillRef idx="1">
+            <a:schemeClr val="accent1"/>
+          </a:fillRef>
+          <a:effectRef idx="0">
+            <a:schemeClr val="accent1"/>
+          </a:effectRef>
+          <a:fontRef idx="minor">
+            <a:schemeClr val="lt1"/>
+          </a:fontRef>
+        </p:style>
+        <p:txBody>
+          <a:bodyPr rtlCol="0" anchor="ctr"/>
+          <a:lstStyle/>
+          <a:p>
+            <a:pPr algn="ctr"/>
+            <a:endParaRPr lang="fr-FR"/>
+          </a:p>
+        </p:txBody>
+      </p:sp>
+      <p:sp>
+        <p:nvSpPr>
+          <p:cNvPr id="43" name="ZoneTexte 42">
+            <a:extLst>
+              <a:ext uri="{FF2B5EF4-FFF2-40B4-BE49-F238E27FC236}">
+                <a16:creationId xmlns:a16="http://schemas.microsoft.com/office/drawing/2014/main" id="{3B5BAEFC-1C09-46DC-B895-46B4E3264FB4}"/>
+              </a:ext>
+            </a:extLst>
+          </p:cNvPr>
+          <p:cNvSpPr txBox="1"/>
+          <p:nvPr/>
+        </p:nvSpPr>
+        <p:spPr>
+          <a:xfrm>
+            <a:off x="796701" y="8624172"/>
+            <a:ext cx="1408674" cy="369332"/>
+          </a:xfrm>
+          <a:prstGeom prst="rect">
+            <a:avLst/>
+          </a:prstGeom>
+          <a:noFill/>
+        </p:spPr>
+        <p:txBody>
+          <a:bodyPr wrap="square" rtlCol="0">
+            <a:spAutoFit/>
+          </a:bodyPr>
+          <a:lstStyle/>
+          <a:p>
+            <a:pPr algn="ctr"/>
+            <a:r>
+              <a:rPr lang="fr-FR" dirty="0">
+                <a:solidFill>
+                  <a:schemeClr val="accent5">
+                    <a:lumMod val="60000"/>
+                    <a:lumOff val="40000"/>
+                  </a:schemeClr>
+                </a:solidFill>
+              </a:rPr>
+              <a:t>Accessoire</a:t>
+            </a:r>
+          </a:p>
+        </p:txBody>
+      </p:sp>
+      <p:sp>
+        <p:nvSpPr>
+          <p:cNvPr id="44" name="ZoneTexte 43">
+            <a:extLst>
+              <a:ext uri="{FF2B5EF4-FFF2-40B4-BE49-F238E27FC236}">
+                <a16:creationId xmlns:a16="http://schemas.microsoft.com/office/drawing/2014/main" id="{9172FEF3-B962-4766-9BCA-7CDB66D551CA}"/>
+              </a:ext>
+            </a:extLst>
+          </p:cNvPr>
+          <p:cNvSpPr txBox="1"/>
+          <p:nvPr/>
+        </p:nvSpPr>
+        <p:spPr>
+          <a:xfrm>
+            <a:off x="2738516" y="8625169"/>
+            <a:ext cx="1408674" cy="369332"/>
+          </a:xfrm>
+          <a:prstGeom prst="rect">
+            <a:avLst/>
+          </a:prstGeom>
+          <a:noFill/>
+        </p:spPr>
+        <p:txBody>
+          <a:bodyPr wrap="square" rtlCol="0">
+            <a:spAutoFit/>
+          </a:bodyPr>
+          <a:lstStyle/>
+          <a:p>
+            <a:pPr algn="ctr"/>
+            <a:r>
+              <a:rPr lang="fr-FR" dirty="0">
+                <a:solidFill>
+                  <a:schemeClr val="accent5">
+                    <a:lumMod val="60000"/>
+                    <a:lumOff val="40000"/>
+                  </a:schemeClr>
+                </a:solidFill>
+              </a:rPr>
+              <a:t>Haut</a:t>
+            </a:r>
+          </a:p>
+        </p:txBody>
+      </p:sp>
+      <p:sp>
+        <p:nvSpPr>
+          <p:cNvPr id="45" name="ZoneTexte 44">
+            <a:extLst>
+              <a:ext uri="{FF2B5EF4-FFF2-40B4-BE49-F238E27FC236}">
+                <a16:creationId xmlns:a16="http://schemas.microsoft.com/office/drawing/2014/main" id="{940FFE79-CD76-41C1-BFD4-9944839C74B6}"/>
+              </a:ext>
+            </a:extLst>
+          </p:cNvPr>
+          <p:cNvSpPr txBox="1"/>
+          <p:nvPr/>
+        </p:nvSpPr>
+        <p:spPr>
+          <a:xfrm>
+            <a:off x="4678533" y="8630438"/>
+            <a:ext cx="1408674" cy="369332"/>
+          </a:xfrm>
+          <a:prstGeom prst="rect">
+            <a:avLst/>
+          </a:prstGeom>
+          <a:noFill/>
+        </p:spPr>
+        <p:txBody>
+          <a:bodyPr wrap="square" rtlCol="0">
+            <a:spAutoFit/>
+          </a:bodyPr>
+          <a:lstStyle/>
+          <a:p>
+            <a:pPr algn="ctr"/>
+            <a:r>
+              <a:rPr lang="fr-FR" dirty="0">
+                <a:solidFill>
+                  <a:schemeClr val="accent5">
+                    <a:lumMod val="60000"/>
+                    <a:lumOff val="40000"/>
+                  </a:schemeClr>
+                </a:solidFill>
+              </a:rPr>
+              <a:t>Manteau</a:t>
+            </a:r>
+          </a:p>
+        </p:txBody>
+      </p:sp>
+      <p:sp>
+        <p:nvSpPr>
+          <p:cNvPr id="47" name="ZoneTexte 46">
+            <a:extLst>
+              <a:ext uri="{FF2B5EF4-FFF2-40B4-BE49-F238E27FC236}">
+                <a16:creationId xmlns:a16="http://schemas.microsoft.com/office/drawing/2014/main" id="{E331D2CB-96D3-49BF-8E73-17718F0CF49F}"/>
+              </a:ext>
+            </a:extLst>
+          </p:cNvPr>
+          <p:cNvSpPr txBox="1"/>
+          <p:nvPr/>
+        </p:nvSpPr>
+        <p:spPr>
+          <a:xfrm>
+            <a:off x="796701" y="9375553"/>
+            <a:ext cx="1408674" cy="369332"/>
+          </a:xfrm>
+          <a:prstGeom prst="rect">
+            <a:avLst/>
+          </a:prstGeom>
+          <a:noFill/>
+        </p:spPr>
+        <p:txBody>
+          <a:bodyPr wrap="square" rtlCol="0">
+            <a:spAutoFit/>
+          </a:bodyPr>
+          <a:lstStyle/>
+          <a:p>
+            <a:pPr algn="ctr"/>
+            <a:r>
+              <a:rPr lang="fr-FR" dirty="0">
+                <a:solidFill>
+                  <a:schemeClr val="accent5">
+                    <a:lumMod val="60000"/>
+                    <a:lumOff val="40000"/>
+                  </a:schemeClr>
+                </a:solidFill>
+              </a:rPr>
+              <a:t>Full-Body</a:t>
+            </a:r>
+          </a:p>
+        </p:txBody>
+      </p:sp>
+      <p:sp>
+        <p:nvSpPr>
+          <p:cNvPr id="50" name="ZoneTexte 49">
+            <a:extLst>
+              <a:ext uri="{FF2B5EF4-FFF2-40B4-BE49-F238E27FC236}">
+                <a16:creationId xmlns:a16="http://schemas.microsoft.com/office/drawing/2014/main" id="{D28FC6DB-CEE2-4750-9A97-6AEDA4A0FC08}"/>
+              </a:ext>
+            </a:extLst>
+          </p:cNvPr>
+          <p:cNvSpPr txBox="1"/>
+          <p:nvPr/>
+        </p:nvSpPr>
+        <p:spPr>
+          <a:xfrm>
+            <a:off x="2738516" y="9375553"/>
+            <a:ext cx="1408674" cy="369332"/>
+          </a:xfrm>
+          <a:prstGeom prst="rect">
+            <a:avLst/>
+          </a:prstGeom>
+          <a:noFill/>
+        </p:spPr>
+        <p:txBody>
+          <a:bodyPr wrap="square" rtlCol="0">
+            <a:spAutoFit/>
+          </a:bodyPr>
+          <a:lstStyle/>
+          <a:p>
+            <a:pPr algn="ctr"/>
+            <a:r>
+              <a:rPr lang="fr-FR" dirty="0">
+                <a:solidFill>
+                  <a:schemeClr val="accent5">
+                    <a:lumMod val="60000"/>
+                    <a:lumOff val="40000"/>
+                  </a:schemeClr>
+                </a:solidFill>
+              </a:rPr>
+              <a:t>Bas</a:t>
+            </a:r>
+          </a:p>
+        </p:txBody>
+      </p:sp>
+      <p:sp>
+        <p:nvSpPr>
+          <p:cNvPr id="53" name="ZoneTexte 52">
+            <a:extLst>
+              <a:ext uri="{FF2B5EF4-FFF2-40B4-BE49-F238E27FC236}">
+                <a16:creationId xmlns:a16="http://schemas.microsoft.com/office/drawing/2014/main" id="{4520FA25-E398-4DA9-B8B6-08B3BC7ABC78}"/>
+              </a:ext>
+            </a:extLst>
+          </p:cNvPr>
+          <p:cNvSpPr txBox="1"/>
+          <p:nvPr/>
+        </p:nvSpPr>
+        <p:spPr>
+          <a:xfrm>
+            <a:off x="4678533" y="9375553"/>
+            <a:ext cx="1408674" cy="369332"/>
+          </a:xfrm>
+          <a:prstGeom prst="rect">
+            <a:avLst/>
+          </a:prstGeom>
+          <a:noFill/>
+        </p:spPr>
+        <p:txBody>
+          <a:bodyPr wrap="square" rtlCol="0">
+            <a:spAutoFit/>
+          </a:bodyPr>
+          <a:lstStyle/>
+          <a:p>
+            <a:pPr algn="ctr"/>
+            <a:r>
+              <a:rPr lang="fr-FR" dirty="0">
+                <a:solidFill>
+                  <a:schemeClr val="accent5">
+                    <a:lumMod val="60000"/>
+                    <a:lumOff val="40000"/>
+                  </a:schemeClr>
+                </a:solidFill>
+              </a:rPr>
+              <a:t>Chaussure</a:t>
+            </a:r>
+          </a:p>
+        </p:txBody>
+      </p:sp>
+      <p:sp>
+        <p:nvSpPr>
+          <p:cNvPr id="56" name="Rectangle 55">
+            <a:extLst>
+              <a:ext uri="{FF2B5EF4-FFF2-40B4-BE49-F238E27FC236}">
+                <a16:creationId xmlns:a16="http://schemas.microsoft.com/office/drawing/2014/main" id="{C2DACBD2-4DB0-4DEF-9F40-BE4231927D1F}"/>
+              </a:ext>
+            </a:extLst>
+          </p:cNvPr>
+          <p:cNvSpPr/>
+          <p:nvPr/>
+        </p:nvSpPr>
+        <p:spPr>
+          <a:xfrm>
+            <a:off x="319018" y="1626283"/>
+            <a:ext cx="6219963" cy="8384543"/>
+          </a:xfrm>
+          <a:prstGeom prst="rect">
+            <a:avLst/>
+          </a:prstGeom>
+          <a:noFill/>
+          <a:ln>
+            <a:solidFill>
+              <a:schemeClr val="accent5">
+                <a:lumMod val="40000"/>
+                <a:lumOff val="60000"/>
+              </a:schemeClr>
+            </a:solidFill>
+          </a:ln>
+        </p:spPr>
+        <p:style>
+          <a:lnRef idx="2">
+            <a:schemeClr val="accent1">
+              <a:shade val="50000"/>
+            </a:schemeClr>
+          </a:lnRef>
+          <a:fillRef idx="1">
+            <a:schemeClr val="accent1"/>
+          </a:fillRef>
+          <a:effectRef idx="0">
+            <a:schemeClr val="accent1"/>
+          </a:effectRef>
+          <a:fontRef idx="minor">
+            <a:schemeClr val="lt1"/>
+          </a:fontRef>
+        </p:style>
+        <p:txBody>
+          <a:bodyPr rtlCol="0" anchor="ctr"/>
+          <a:lstStyle/>
+          <a:p>
+            <a:pPr algn="ctr"/>
+            <a:endParaRPr lang="fr-FR"/>
+          </a:p>
+        </p:txBody>
+      </p:sp>
+      <p:sp>
+        <p:nvSpPr>
+          <p:cNvPr id="57" name="Ellipse 56">
+            <a:extLst>
+              <a:ext uri="{FF2B5EF4-FFF2-40B4-BE49-F238E27FC236}">
+                <a16:creationId xmlns:a16="http://schemas.microsoft.com/office/drawing/2014/main" id="{B3989767-D83E-4D7E-82D6-3EF654DE7099}"/>
+              </a:ext>
+            </a:extLst>
+          </p:cNvPr>
+          <p:cNvSpPr/>
+          <p:nvPr/>
+        </p:nvSpPr>
+        <p:spPr>
+          <a:xfrm>
+            <a:off x="3085074" y="10235910"/>
+            <a:ext cx="704851" cy="667774"/>
+          </a:xfrm>
+          <a:prstGeom prst="ellipse">
+            <a:avLst/>
+          </a:prstGeom>
+          <a:solidFill>
+            <a:schemeClr val="accent5">
+              <a:lumMod val="40000"/>
+              <a:lumOff val="60000"/>
+            </a:schemeClr>
+          </a:solidFill>
+          <a:ln>
+            <a:solidFill>
+              <a:schemeClr val="accent5">
+                <a:lumMod val="40000"/>
+                <a:lumOff val="60000"/>
+              </a:schemeClr>
+            </a:solidFill>
+          </a:ln>
+        </p:spPr>
+        <p:style>
+          <a:lnRef idx="2">
+            <a:schemeClr val="accent1">
+              <a:shade val="50000"/>
+            </a:schemeClr>
+          </a:lnRef>
+          <a:fillRef idx="1">
+            <a:schemeClr val="accent1"/>
+          </a:fillRef>
+          <a:effectRef idx="0">
+            <a:schemeClr val="accent1"/>
+          </a:effectRef>
+          <a:fontRef idx="minor">
+            <a:schemeClr val="lt1"/>
+          </a:fontRef>
+        </p:style>
+        <p:txBody>
+          <a:bodyPr rtlCol="0" anchor="ctr"/>
+          <a:lstStyle/>
+          <a:p>
+            <a:pPr algn="ctr"/>
+            <a:endParaRPr lang="fr-FR"/>
+          </a:p>
+        </p:txBody>
+      </p:sp>
+      <p:pic>
+        <p:nvPicPr>
+          <p:cNvPr id="58" name="Graphique 57" descr="Caméra">
+            <a:extLst>
+              <a:ext uri="{FF2B5EF4-FFF2-40B4-BE49-F238E27FC236}">
+                <a16:creationId xmlns:a16="http://schemas.microsoft.com/office/drawing/2014/main" id="{F4280D50-1A11-4104-B06D-A37151AE29FD}"/>
+              </a:ext>
+            </a:extLst>
+          </p:cNvPr>
+          <p:cNvPicPr>
+            <a:picLocks noChangeAspect="1"/>
+          </p:cNvPicPr>
+          <p:nvPr/>
+        </p:nvPicPr>
+        <p:blipFill>
+          <a:blip r:embed="rId6">
+            <a:extLst>
+              <a:ext uri="{28A0092B-C50C-407E-A947-70E740481C1C}">
+                <a14:useLocalDpi xmlns:a14="http://schemas.microsoft.com/office/drawing/2010/main" val="0"/>
+              </a:ext>
+              <a:ext uri="{96DAC541-7B7A-43D3-8B79-37D633B846F1}">
+                <asvg:svgBlip xmlns:asvg="http://schemas.microsoft.com/office/drawing/2016/SVG/main" r:embed="rId7"/>
+              </a:ext>
+            </a:extLst>
+          </a:blip>
+          <a:srcRect/>
+          <a:stretch/>
+        </p:blipFill>
+        <p:spPr>
+          <a:xfrm>
+            <a:off x="3182374" y="10312110"/>
+            <a:ext cx="493251" cy="493251"/>
+          </a:xfrm>
+          <a:prstGeom prst="rect">
+            <a:avLst/>
+          </a:prstGeom>
+        </p:spPr>
+      </p:pic>
+      <p:pic>
+        <p:nvPicPr>
+          <p:cNvPr id="5" name="Graphique 4">
+            <a:extLst>
+              <a:ext uri="{FF2B5EF4-FFF2-40B4-BE49-F238E27FC236}">
+                <a16:creationId xmlns:a16="http://schemas.microsoft.com/office/drawing/2014/main" id="{FCB12C2E-00E6-48A1-BB54-C567679C3090}"/>
+              </a:ext>
+            </a:extLst>
+          </p:cNvPr>
+          <p:cNvPicPr>
+            <a:picLocks noChangeAspect="1"/>
+          </p:cNvPicPr>
+          <p:nvPr/>
+        </p:nvPicPr>
+        <p:blipFill>
+          <a:blip r:embed="rId8">
+            <a:extLst>
+              <a:ext uri="{28A0092B-C50C-407E-A947-70E740481C1C}">
+                <a14:useLocalDpi xmlns:a14="http://schemas.microsoft.com/office/drawing/2010/main" val="0"/>
+              </a:ext>
+              <a:ext uri="{96DAC541-7B7A-43D3-8B79-37D633B846F1}">
+                <asvg:svgBlip xmlns:asvg="http://schemas.microsoft.com/office/drawing/2016/SVG/main" r:embed="rId9"/>
+              </a:ext>
+            </a:extLst>
+          </a:blip>
+          <a:stretch>
+            <a:fillRect/>
+          </a:stretch>
+        </p:blipFill>
+        <p:spPr>
+          <a:xfrm>
+            <a:off x="683693" y="2123873"/>
+            <a:ext cx="5662593" cy="5788267"/>
+          </a:xfrm>
+          <a:prstGeom prst="rect">
+            <a:avLst/>
+          </a:prstGeom>
+        </p:spPr>
+      </p:pic>
+      <p:pic>
+        <p:nvPicPr>
+          <p:cNvPr id="59" name="Image 58" descr="Une image contenant moniteur, écran, assis, noir&#10;&#10;Description générée automatiquement">
+            <a:extLst>
+              <a:ext uri="{FF2B5EF4-FFF2-40B4-BE49-F238E27FC236}">
+                <a16:creationId xmlns:a16="http://schemas.microsoft.com/office/drawing/2014/main" id="{EE9E07B0-C970-448E-80BF-3F4710E39967}"/>
+              </a:ext>
+            </a:extLst>
+          </p:cNvPr>
+          <p:cNvPicPr>
+            <a:picLocks noChangeAspect="1"/>
+          </p:cNvPicPr>
+          <p:nvPr/>
+        </p:nvPicPr>
+        <p:blipFill>
+          <a:blip r:embed="rId10">
+            <a:extLst>
+              <a:ext uri="{28A0092B-C50C-407E-A947-70E740481C1C}">
+                <a14:useLocalDpi xmlns:a14="http://schemas.microsoft.com/office/drawing/2010/main" val="0"/>
+              </a:ext>
+            </a:extLst>
+          </a:blip>
+          <a:stretch>
+            <a:fillRect/>
+          </a:stretch>
+        </p:blipFill>
+        <p:spPr>
+          <a:xfrm>
+            <a:off x="-3081130" y="-1351722"/>
+            <a:ext cx="12943587" cy="15047843"/>
+          </a:xfrm>
+          <a:prstGeom prst="rect">
+            <a:avLst/>
+          </a:prstGeom>
+        </p:spPr>
+      </p:pic>
+    </p:spTree>
+    <p:extLst>
+      <p:ext uri="{BB962C8B-B14F-4D97-AF65-F5344CB8AC3E}">
+        <p14:creationId xmlns:p14="http://schemas.microsoft.com/office/powerpoint/2010/main" val="2259574689"/>
       </p:ext>
     </p:extLst>
   </p:cSld>
